--- a/Junit5-TU-BP.pptx
+++ b/Junit5-TU-BP.pptx
@@ -255,7 +255,7 @@
             <a:pPr rtl="0"/>
             <a:fld id="{3C80F580-3B6A-44CD-9A1E-E890016126F8}" type="datetime1">
               <a:rPr lang="fr-FR" smtClean="0"/>
-              <a:t>27/03/2020</a:t>
+              <a:t>23/05/2020</a:t>
             </a:fld>
             <a:endParaRPr lang="fr-FR"/>
           </a:p>
@@ -425,7 +425,7 @@
             <a:pPr rtl="0"/>
             <a:fld id="{7DF8ED89-FBF4-48E3-B6C6-C071DA98F802}" type="datetime1">
               <a:rPr lang="fr-FR" noProof="1" dirty="0" smtClean="0"/>
-              <a:t>27/03/2020</a:t>
+              <a:t>23/05/2020</a:t>
             </a:fld>
             <a:endParaRPr lang="fr-FR" noProof="1"/>
           </a:p>
@@ -1804,7 +1804,10 @@
           <a:bodyPr/>
           <a:lstStyle/>
           <a:p>
-            <a:endParaRPr lang="fr-FR" noProof="1"/>
+            <a:r>
+              <a:rPr lang="fr-FR" noProof="1"/>
+              <a:t>Base, temps courant, dépendances spring, repositories</a:t>
+            </a:r>
           </a:p>
         </p:txBody>
       </p:sp>
@@ -2389,7 +2392,7 @@
             <a:pPr rtl="0"/>
             <a:fld id="{7DF3CA4B-903E-431D-AF93-2AD02E04DE8A}" type="datetime1">
               <a:rPr lang="fr-FR" noProof="0" smtClean="0"/>
-              <a:t>27/03/2020</a:t>
+              <a:t>23/05/2020</a:t>
             </a:fld>
             <a:endParaRPr lang="fr-FR" noProof="0"/>
           </a:p>
@@ -3015,7 +3018,7 @@
             <a:pPr rtl="0"/>
             <a:fld id="{802CD4F2-526B-4131-B91B-856C46007FC5}" type="datetime1">
               <a:rPr lang="fr-FR" noProof="0" smtClean="0"/>
-              <a:t>27/03/2020</a:t>
+              <a:t>23/05/2020</a:t>
             </a:fld>
             <a:endParaRPr lang="fr-FR" noProof="0"/>
           </a:p>
@@ -4433,7 +4436,19 @@
               <a:rPr lang="fr-FR" sz="2400" dirty="0">
                 <a:sym typeface="Wingdings" panose="05000000000000000000" pitchFamily="2" charset="2"/>
               </a:rPr>
-              <a:t>Aucun intérêt si la méthode contient deux lignes !</a:t>
+              <a:t>Peu d’intérêt si la méthode contient deux lignes </a:t>
+            </a:r>
+            <a:r>
+              <a:rPr lang="fr-FR" sz="2400" b="1" u="sng" dirty="0">
+                <a:sym typeface="Wingdings" panose="05000000000000000000" pitchFamily="2" charset="2"/>
+              </a:rPr>
+              <a:t>et</a:t>
+            </a:r>
+            <a:r>
+              <a:rPr lang="fr-FR" sz="2400" dirty="0">
+                <a:sym typeface="Wingdings" panose="05000000000000000000" pitchFamily="2" charset="2"/>
+              </a:rPr>
+              <a:t> si peu complexe</a:t>
             </a:r>
           </a:p>
         </p:txBody>
@@ -4831,6 +4846,44 @@
           </a:p>
         </p:txBody>
       </p:sp>
+      <p:sp>
+        <p:nvSpPr>
+          <p:cNvPr id="6" name="Rectangle 5">
+            <a:extLst>
+              <a:ext uri="{FF2B5EF4-FFF2-40B4-BE49-F238E27FC236}">
+                <a16:creationId xmlns:a16="http://schemas.microsoft.com/office/drawing/2014/main" id="{1B3A373A-A9D4-4310-A539-A1F53F9CAA87}"/>
+              </a:ext>
+            </a:extLst>
+          </p:cNvPr>
+          <p:cNvSpPr/>
+          <p:nvPr/>
+        </p:nvSpPr>
+        <p:spPr>
+          <a:xfrm>
+            <a:off x="707571" y="3059668"/>
+            <a:ext cx="11146972" cy="646331"/>
+          </a:xfrm>
+          <a:prstGeom prst="rect">
+            <a:avLst/>
+          </a:prstGeom>
+        </p:spPr>
+        <p:txBody>
+          <a:bodyPr wrap="square">
+            <a:spAutoFit/>
+          </a:bodyPr>
+          <a:lstStyle/>
+          <a:p>
+            <a:pPr marL="285750" indent="-285750">
+              <a:buFont typeface="Wingdings" panose="05000000000000000000" pitchFamily="2" charset="2"/>
+              <a:buChar char="Ø"/>
+            </a:pPr>
+            <a:r>
+              <a:rPr lang="fr-FR" dirty="0"/>
+              <a:t>Dans une approche TTD, l’écriture de tests reflète exactement l’attendu sans lien avec un besoin de couverture, donc forcement plus efficace que la couverture du code après écriture de celui ci</a:t>
+            </a:r>
+          </a:p>
+        </p:txBody>
+      </p:sp>
     </p:spTree>
     <p:extLst>
       <p:ext uri="{BB962C8B-B14F-4D97-AF65-F5344CB8AC3E}">
@@ -5012,6 +5065,51 @@
                       </p:childTnLst>
                     </p:cTn>
                   </p:par>
+                  <p:par>
+                    <p:cTn id="15" fill="hold">
+                      <p:stCondLst>
+                        <p:cond delay="indefinite"/>
+                      </p:stCondLst>
+                      <p:childTnLst>
+                        <p:par>
+                          <p:cTn id="16" fill="hold">
+                            <p:stCondLst>
+                              <p:cond delay="0"/>
+                            </p:stCondLst>
+                            <p:childTnLst>
+                              <p:par>
+                                <p:cTn id="17" presetID="1" presetClass="entr" presetSubtype="0" fill="hold" grpId="0" nodeType="clickEffect">
+                                  <p:stCondLst>
+                                    <p:cond delay="0"/>
+                                  </p:stCondLst>
+                                  <p:childTnLst>
+                                    <p:set>
+                                      <p:cBhvr>
+                                        <p:cTn id="18" dur="1" fill="hold">
+                                          <p:stCondLst>
+                                            <p:cond delay="0"/>
+                                          </p:stCondLst>
+                                        </p:cTn>
+                                        <p:tgtEl>
+                                          <p:spTgt spid="6"/>
+                                        </p:tgtEl>
+                                        <p:attrNameLst>
+                                          <p:attrName>style.visibility</p:attrName>
+                                        </p:attrNameLst>
+                                      </p:cBhvr>
+                                      <p:to>
+                                        <p:strVal val="visible"/>
+                                      </p:to>
+                                    </p:set>
+                                  </p:childTnLst>
+                                </p:cTn>
+                              </p:par>
+                            </p:childTnLst>
+                          </p:cTn>
+                        </p:par>
+                      </p:childTnLst>
+                    </p:cTn>
+                  </p:par>
                 </p:childTnLst>
               </p:cTn>
               <p:prevCondLst>
@@ -5036,6 +5134,7 @@
     <p:bldLst>
       <p:bldP spid="3" grpId="0"/>
       <p:bldP spid="5" grpId="0"/>
+      <p:bldP spid="6" grpId="0"/>
     </p:bldLst>
   </p:timing>
 </p:sld>
@@ -11495,6 +11594,15 @@
 </file>
 
 <file path=customXml/item2.xml><?xml version="1.0" encoding="utf-8"?>
+<?mso-contentType ?>
+<FormTemplates xmlns="http://schemas.microsoft.com/sharepoint/v3/contenttype/forms">
+  <Display>DocumentLibraryForm</Display>
+  <Edit>DocumentLibraryForm</Edit>
+  <New>DocumentLibraryForm</New>
+</FormTemplates>
+</file>
+
+<file path=customXml/item3.xml><?xml version="1.0" encoding="utf-8"?>
 <ct:contentTypeSchema xmlns:ct="http://schemas.microsoft.com/office/2006/metadata/contentType" xmlns:ma="http://schemas.microsoft.com/office/2006/metadata/properties/metaAttributes" ct:_="" ma:_="" ma:contentTypeName="Document" ma:contentTypeID="0x01010079F111ED35F8CC479449609E8A0923A6" ma:contentTypeVersion="12" ma:contentTypeDescription="Create a new document." ma:contentTypeScope="" ma:versionID="a8a52e8c320b9a064ae3583ae3861c92">
   <xsd:schema xmlns:xsd="http://www.w3.org/2001/XMLSchema" xmlns:xs="http://www.w3.org/2001/XMLSchema" xmlns:p="http://schemas.microsoft.com/office/2006/metadata/properties" xmlns:ns2="71af3243-3dd4-4a8d-8c0d-dd76da1f02a5" xmlns:ns3="16c05727-aa75-4e4a-9b5f-8a80a1165891" targetNamespace="http://schemas.microsoft.com/office/2006/metadata/properties" ma:root="true" ma:fieldsID="88020cb39231a0945110f9cd888b521a" ns2:_="" ns3:_="">
     <xsd:import namespace="71af3243-3dd4-4a8d-8c0d-dd76da1f02a5"/>
@@ -11715,15 +11823,6 @@
 </ct:contentTypeSchema>
 </file>
 
-<file path=customXml/item3.xml><?xml version="1.0" encoding="utf-8"?>
-<?mso-contentType ?>
-<FormTemplates xmlns="http://schemas.microsoft.com/sharepoint/v3/contenttype/forms">
-  <Display>DocumentLibraryForm</Display>
-  <Edit>DocumentLibraryForm</Edit>
-  <New>DocumentLibraryForm</New>
-</FormTemplates>
-</file>
-
 <file path=customXml/itemProps1.xml><?xml version="1.0" encoding="utf-8"?>
 <ds:datastoreItem xmlns:ds="http://schemas.openxmlformats.org/officeDocument/2006/customXml" ds:itemID="{950072C5-DDE0-4258-BA7A-4D4B80DFA632}">
   <ds:schemaRefs>
@@ -11735,6 +11834,14 @@
 </file>
 
 <file path=customXml/itemProps2.xml><?xml version="1.0" encoding="utf-8"?>
+<ds:datastoreItem xmlns:ds="http://schemas.openxmlformats.org/officeDocument/2006/customXml" ds:itemID="{7EE8C63A-4744-4DE4-BB49-0FF0B5375C60}">
+  <ds:schemaRefs>
+    <ds:schemaRef ds:uri="http://schemas.microsoft.com/sharepoint/v3/contenttype/forms"/>
+  </ds:schemaRefs>
+</ds:datastoreItem>
+</file>
+
+<file path=customXml/itemProps3.xml><?xml version="1.0" encoding="utf-8"?>
 <ds:datastoreItem xmlns:ds="http://schemas.openxmlformats.org/officeDocument/2006/customXml" ds:itemID="{FD7FC771-7DFE-49DA-B577-71181BFBCB2E}">
   <ds:schemaRefs>
     <ds:schemaRef ds:uri="http://schemas.microsoft.com/office/2006/metadata/contentType"/>
@@ -11751,12 +11858,4 @@
     <ds:schemaRef ds:uri="http://schemas.microsoft.com/internal/obd"/>
   </ds:schemaRefs>
 </ds:datastoreItem>
-</file>
-
-<file path=customXml/itemProps3.xml><?xml version="1.0" encoding="utf-8"?>
-<ds:datastoreItem xmlns:ds="http://schemas.openxmlformats.org/officeDocument/2006/customXml" ds:itemID="{7EE8C63A-4744-4DE4-BB49-0FF0B5375C60}">
-  <ds:schemaRefs>
-    <ds:schemaRef ds:uri="http://schemas.microsoft.com/sharepoint/v3/contenttype/forms"/>
-  </ds:schemaRefs>
-</ds:datastoreItem>
 </file>
--- a/Junit5-TU-BP.pptx
+++ b/Junit5-TU-BP.pptx
@@ -5,27 +5,28 @@
     <p:sldMasterId id="2147483660" r:id="rId4"/>
   </p:sldMasterIdLst>
   <p:notesMasterIdLst>
-    <p:notesMasterId r:id="rId20"/>
+    <p:notesMasterId r:id="rId21"/>
   </p:notesMasterIdLst>
   <p:handoutMasterIdLst>
-    <p:handoutMasterId r:id="rId21"/>
+    <p:handoutMasterId r:id="rId22"/>
   </p:handoutMasterIdLst>
   <p:sldIdLst>
     <p:sldId id="256" r:id="rId5"/>
-    <p:sldId id="279" r:id="rId6"/>
-    <p:sldId id="292" r:id="rId7"/>
-    <p:sldId id="295" r:id="rId8"/>
-    <p:sldId id="296" r:id="rId9"/>
-    <p:sldId id="281" r:id="rId10"/>
-    <p:sldId id="288" r:id="rId11"/>
-    <p:sldId id="282" r:id="rId12"/>
-    <p:sldId id="293" r:id="rId13"/>
-    <p:sldId id="294" r:id="rId14"/>
-    <p:sldId id="287" r:id="rId15"/>
-    <p:sldId id="286" r:id="rId16"/>
-    <p:sldId id="284" r:id="rId17"/>
-    <p:sldId id="290" r:id="rId18"/>
-    <p:sldId id="291" r:id="rId19"/>
+    <p:sldId id="297" r:id="rId6"/>
+    <p:sldId id="279" r:id="rId7"/>
+    <p:sldId id="292" r:id="rId8"/>
+    <p:sldId id="295" r:id="rId9"/>
+    <p:sldId id="296" r:id="rId10"/>
+    <p:sldId id="281" r:id="rId11"/>
+    <p:sldId id="288" r:id="rId12"/>
+    <p:sldId id="282" r:id="rId13"/>
+    <p:sldId id="293" r:id="rId14"/>
+    <p:sldId id="294" r:id="rId15"/>
+    <p:sldId id="287" r:id="rId16"/>
+    <p:sldId id="286" r:id="rId17"/>
+    <p:sldId id="284" r:id="rId18"/>
+    <p:sldId id="290" r:id="rId19"/>
+    <p:sldId id="291" r:id="rId20"/>
   </p:sldIdLst>
   <p:sldSz cx="12192000" cy="6858000"/>
   <p:notesSz cx="6858000" cy="9144000"/>
@@ -130,6 +131,7 @@
         <p14:section name="Bienvenue" id="{E75E278A-FF0E-49A4-B170-79828D63BBAD}">
           <p14:sldIdLst>
             <p14:sldId id="256"/>
+            <p14:sldId id="297"/>
             <p14:sldId id="279"/>
             <p14:sldId id="292"/>
             <p14:sldId id="295"/>
@@ -259,7 +261,7 @@
             <a:pPr rtl="0"/>
             <a:fld id="{3C80F580-3B6A-44CD-9A1E-E890016126F8}" type="datetime1">
               <a:rPr lang="fr-FR" smtClean="0"/>
-              <a:t>23/05/2020</a:t>
+              <a:t>08/07/2020</a:t>
             </a:fld>
             <a:endParaRPr lang="fr-FR"/>
           </a:p>
@@ -429,7 +431,7 @@
             <a:pPr rtl="0"/>
             <a:fld id="{7DF8ED89-FBF4-48E3-B6C6-C071DA98F802}" type="datetime1">
               <a:rPr lang="fr-FR" noProof="1" dirty="0" smtClean="0"/>
-              <a:t>23/05/2020</a:t>
+              <a:t>08/07/2020</a:t>
             </a:fld>
             <a:endParaRPr lang="fr-FR" noProof="1"/>
           </a:p>
@@ -860,7 +862,7 @@
             <a:pPr rtl="0"/>
             <a:fld id="{DF61EA0F-A667-4B49-8422-0062BC55E249}" type="slidenum">
               <a:rPr lang="fr-FR" noProof="1" dirty="0" smtClean="0"/>
-              <a:t>10</a:t>
+              <a:t>11</a:t>
             </a:fld>
             <a:endParaRPr lang="fr-FR" noProof="1"/>
           </a:p>
@@ -966,7 +968,7 @@
             <a:pPr rtl="0"/>
             <a:fld id="{DF61EA0F-A667-4B49-8422-0062BC55E249}" type="slidenum">
               <a:rPr lang="fr-FR" noProof="1" dirty="0" smtClean="0"/>
-              <a:t>11</a:t>
+              <a:t>12</a:t>
             </a:fld>
             <a:endParaRPr lang="fr-FR" noProof="1"/>
           </a:p>
@@ -1072,7 +1074,7 @@
             <a:pPr rtl="0"/>
             <a:fld id="{DF61EA0F-A667-4B49-8422-0062BC55E249}" type="slidenum">
               <a:rPr lang="fr-FR" noProof="1" dirty="0" smtClean="0"/>
-              <a:t>12</a:t>
+              <a:t>13</a:t>
             </a:fld>
             <a:endParaRPr lang="fr-FR" noProof="1"/>
           </a:p>
@@ -1161,7 +1163,7 @@
             <a:pPr rtl="0"/>
             <a:fld id="{DF61EA0F-A667-4B49-8422-0062BC55E249}" type="slidenum">
               <a:rPr lang="fr-FR" noProof="1" dirty="0" smtClean="0"/>
-              <a:t>13</a:t>
+              <a:t>14</a:t>
             </a:fld>
             <a:endParaRPr lang="fr-FR" noProof="1"/>
           </a:p>
@@ -1249,7 +1251,7 @@
             <a:pPr rtl="0"/>
             <a:fld id="{DF61EA0F-A667-4B49-8422-0062BC55E249}" type="slidenum">
               <a:rPr lang="fr-FR" noProof="1" dirty="0" smtClean="0"/>
-              <a:t>14</a:t>
+              <a:t>15</a:t>
             </a:fld>
             <a:endParaRPr lang="fr-FR" noProof="1"/>
           </a:p>
@@ -1334,7 +1336,7 @@
             <a:pPr rtl="0"/>
             <a:fld id="{DF61EA0F-A667-4B49-8422-0062BC55E249}" type="slidenum">
               <a:rPr lang="fr-FR" noProof="1" dirty="0" smtClean="0"/>
-              <a:t>15</a:t>
+              <a:t>16</a:t>
             </a:fld>
             <a:endParaRPr lang="fr-FR" noProof="1"/>
           </a:p>
@@ -1444,7 +1446,7 @@
             <a:pPr rtl="0"/>
             <a:fld id="{DF61EA0F-A667-4B49-8422-0062BC55E249}" type="slidenum">
               <a:rPr lang="fr-FR" noProof="1" dirty="0" smtClean="0"/>
-              <a:t>2</a:t>
+              <a:t>3</a:t>
             </a:fld>
             <a:endParaRPr lang="fr-FR" noProof="1"/>
           </a:p>
@@ -1544,7 +1546,7 @@
             <a:pPr rtl="0"/>
             <a:fld id="{DF61EA0F-A667-4B49-8422-0062BC55E249}" type="slidenum">
               <a:rPr lang="fr-FR" noProof="1" dirty="0" smtClean="0"/>
-              <a:t>3</a:t>
+              <a:t>4</a:t>
             </a:fld>
             <a:endParaRPr lang="fr-FR" noProof="1"/>
           </a:p>
@@ -1644,7 +1646,7 @@
             <a:pPr rtl="0"/>
             <a:fld id="{DF61EA0F-A667-4B49-8422-0062BC55E249}" type="slidenum">
               <a:rPr lang="fr-FR" noProof="1" dirty="0" smtClean="0"/>
-              <a:t>4</a:t>
+              <a:t>5</a:t>
             </a:fld>
             <a:endParaRPr lang="fr-FR" noProof="1"/>
           </a:p>
@@ -1707,6 +1709,10 @@
           <a:bodyPr/>
           <a:lstStyle/>
           <a:p>
+            <a:r>
+              <a:rPr lang="fr-FR" noProof="1" smtClean="0"/>
+              <a:t>JpaBookmarkRepositoryTest</a:t>
+            </a:r>
             <a:endParaRPr lang="fr-FR" noProof="1"/>
           </a:p>
         </p:txBody>
@@ -1729,7 +1735,7 @@
             <a:pPr rtl="0"/>
             <a:fld id="{DF61EA0F-A667-4B49-8422-0062BC55E249}" type="slidenum">
               <a:rPr lang="fr-FR" noProof="1" dirty="0" smtClean="0"/>
-              <a:t>5</a:t>
+              <a:t>6</a:t>
             </a:fld>
             <a:endParaRPr lang="fr-FR" noProof="1"/>
           </a:p>
@@ -1866,7 +1872,7 @@
             <a:pPr rtl="0"/>
             <a:fld id="{DF61EA0F-A667-4B49-8422-0062BC55E249}" type="slidenum">
               <a:rPr lang="fr-FR" noProof="1" dirty="0" smtClean="0"/>
-              <a:t>6</a:t>
+              <a:t>7</a:t>
             </a:fld>
             <a:endParaRPr lang="fr-FR" noProof="1"/>
           </a:p>
@@ -1954,7 +1960,7 @@
             <a:pPr rtl="0"/>
             <a:fld id="{DF61EA0F-A667-4B49-8422-0062BC55E249}" type="slidenum">
               <a:rPr lang="fr-FR" noProof="1" dirty="0" smtClean="0"/>
-              <a:t>7</a:t>
+              <a:t>8</a:t>
             </a:fld>
             <a:endParaRPr lang="fr-FR" noProof="1"/>
           </a:p>
@@ -2039,7 +2045,7 @@
             <a:pPr rtl="0"/>
             <a:fld id="{DF61EA0F-A667-4B49-8422-0062BC55E249}" type="slidenum">
               <a:rPr lang="fr-FR" noProof="1" dirty="0" smtClean="0"/>
-              <a:t>8</a:t>
+              <a:t>9</a:t>
             </a:fld>
             <a:endParaRPr lang="fr-FR" noProof="1"/>
           </a:p>
@@ -2124,7 +2130,7 @@
             <a:pPr rtl="0"/>
             <a:fld id="{DF61EA0F-A667-4B49-8422-0062BC55E249}" type="slidenum">
               <a:rPr lang="fr-FR" noProof="1" dirty="0" smtClean="0"/>
-              <a:t>9</a:t>
+              <a:t>10</a:t>
             </a:fld>
             <a:endParaRPr lang="fr-FR" noProof="1"/>
           </a:p>
@@ -2581,7 +2587,7 @@
             <a:pPr rtl="0"/>
             <a:fld id="{7DF3CA4B-903E-431D-AF93-2AD02E04DE8A}" type="datetime1">
               <a:rPr lang="fr-FR" noProof="0" smtClean="0"/>
-              <a:t>23/05/2020</a:t>
+              <a:t>08/07/2020</a:t>
             </a:fld>
             <a:endParaRPr lang="fr-FR" noProof="0"/>
           </a:p>
@@ -3207,7 +3213,7 @@
             <a:pPr rtl="0"/>
             <a:fld id="{802CD4F2-526B-4131-B91B-856C46007FC5}" type="datetime1">
               <a:rPr lang="fr-FR" noProof="0" smtClean="0"/>
-              <a:t>23/05/2020</a:t>
+              <a:t>08/07/2020</a:t>
             </a:fld>
             <a:endParaRPr lang="fr-FR" noProof="0"/>
           </a:p>
@@ -3696,6 +3702,14 @@
               </a:rPr>
               <a:t>Junit</a:t>
             </a:r>
+            <a:r>
+              <a:rPr lang="fr-FR" sz="4800" dirty="0">
+                <a:solidFill>
+                  <a:schemeClr val="bg1"/>
+                </a:solidFill>
+              </a:rPr>
+              <a:t/>
+            </a:r>
             <a:br>
               <a:rPr lang="fr-FR" sz="4800" dirty="0">
                 <a:solidFill>
@@ -3703,6 +3717,14 @@
                 </a:solidFill>
               </a:rPr>
             </a:br>
+            <a:r>
+              <a:rPr lang="fr-FR" sz="4800" dirty="0">
+                <a:solidFill>
+                  <a:schemeClr val="bg1"/>
+                </a:solidFill>
+              </a:rPr>
+              <a:t/>
+            </a:r>
             <a:br>
               <a:rPr lang="fr-FR" sz="4800" dirty="0">
                 <a:solidFill>
@@ -3773,10 +3795,890 @@
   <p:clrMapOvr>
     <a:masterClrMapping/>
   </p:clrMapOvr>
+  <p:timing>
+    <p:tnLst>
+      <p:par>
+        <p:cTn id="1" dur="indefinite" restart="never" nodeType="tmRoot"/>
+      </p:par>
+    </p:tnLst>
+  </p:timing>
 </p:sld>
 </file>
 
 <file path=ppt/slides/slide10.xml><?xml version="1.0" encoding="utf-8"?>
+<p:sld xmlns:a="http://schemas.openxmlformats.org/drawingml/2006/main" xmlns:r="http://schemas.openxmlformats.org/officeDocument/2006/relationships" xmlns:p="http://schemas.openxmlformats.org/presentationml/2006/main">
+  <p:cSld>
+    <p:spTree>
+      <p:nvGrpSpPr>
+        <p:cNvPr id="1" name=""/>
+        <p:cNvGrpSpPr/>
+        <p:nvPr/>
+      </p:nvGrpSpPr>
+      <p:grpSpPr>
+        <a:xfrm>
+          <a:off x="0" y="0"/>
+          <a:ext cx="0" cy="0"/>
+          <a:chOff x="0" y="0"/>
+          <a:chExt cx="0" cy="0"/>
+        </a:xfrm>
+      </p:grpSpPr>
+      <p:sp>
+        <p:nvSpPr>
+          <p:cNvPr id="4" name="Titre 3"/>
+          <p:cNvSpPr>
+            <a:spLocks noGrp="1"/>
+          </p:cNvSpPr>
+          <p:nvPr>
+            <p:ph type="title"/>
+          </p:nvPr>
+        </p:nvSpPr>
+        <p:spPr/>
+        <p:txBody>
+          <a:bodyPr rtlCol="0"/>
+          <a:lstStyle/>
+          <a:p>
+            <a:pPr rtl="0"/>
+            <a:r>
+              <a:rPr lang="fr-FR" noProof="1">
+                <a:latin typeface="Segoe UI Light" panose="020B0502040204020203" pitchFamily="34" charset="0"/>
+                <a:cs typeface="Segoe UI Light" panose="020B0502040204020203" pitchFamily="34" charset="0"/>
+              </a:rPr>
+              <a:t>Quelques bonnes pratiques</a:t>
+            </a:r>
+          </a:p>
+        </p:txBody>
+      </p:sp>
+      <p:sp>
+        <p:nvSpPr>
+          <p:cNvPr id="5" name="ZoneTexte 4"/>
+          <p:cNvSpPr txBox="1"/>
+          <p:nvPr/>
+        </p:nvSpPr>
+        <p:spPr>
+          <a:xfrm>
+            <a:off x="707571" y="1338943"/>
+            <a:ext cx="10961915" cy="4154984"/>
+          </a:xfrm>
+          <a:prstGeom prst="rect">
+            <a:avLst/>
+          </a:prstGeom>
+          <a:noFill/>
+        </p:spPr>
+        <p:txBody>
+          <a:bodyPr wrap="square" rtlCol="0">
+            <a:spAutoFit/>
+          </a:bodyPr>
+          <a:lstStyle/>
+          <a:p>
+            <a:pPr marL="285750" indent="-285750">
+              <a:buFont typeface="Wingdings" panose="05000000000000000000" pitchFamily="2" charset="2"/>
+              <a:buChar char="Ø"/>
+            </a:pPr>
+            <a:r>
+              <a:rPr lang="fr-FR" sz="2400" dirty="0"/>
+              <a:t>Nommage clair qui permet de décrire le « use case » testé et par la même occasion de documenter le code </a:t>
+            </a:r>
+            <a:r>
+              <a:rPr lang="fr-FR" sz="2400" dirty="0">
+                <a:sym typeface="Wingdings" panose="05000000000000000000" pitchFamily="2" charset="2"/>
+              </a:rPr>
+              <a:t></a:t>
+            </a:r>
+            <a:endParaRPr lang="fr-FR" sz="2400" dirty="0"/>
+          </a:p>
+          <a:p>
+            <a:pPr marL="285750" indent="-285750">
+              <a:buFont typeface="Wingdings" panose="05000000000000000000" pitchFamily="2" charset="2"/>
+              <a:buChar char="Ø"/>
+            </a:pPr>
+            <a:endParaRPr lang="fr-FR" sz="2400" dirty="0"/>
+          </a:p>
+          <a:p>
+            <a:pPr marL="285750" indent="-285750">
+              <a:buFont typeface="Wingdings" panose="05000000000000000000" pitchFamily="2" charset="2"/>
+              <a:buChar char="Ø"/>
+            </a:pPr>
+            <a:endParaRPr lang="fr-FR" sz="2400" dirty="0"/>
+          </a:p>
+          <a:p>
+            <a:pPr marL="285750" indent="-285750">
+              <a:buFont typeface="Wingdings" panose="05000000000000000000" pitchFamily="2" charset="2"/>
+              <a:buChar char="Ø"/>
+            </a:pPr>
+            <a:endParaRPr lang="fr-FR" sz="2400" dirty="0"/>
+          </a:p>
+          <a:p>
+            <a:pPr marL="285750" indent="-285750">
+              <a:buFont typeface="Wingdings" panose="05000000000000000000" pitchFamily="2" charset="2"/>
+              <a:buChar char="Ø"/>
+            </a:pPr>
+            <a:endParaRPr lang="fr-FR" sz="2400" dirty="0"/>
+          </a:p>
+          <a:p>
+            <a:pPr marL="285750" indent="-285750">
+              <a:buFont typeface="Wingdings" panose="05000000000000000000" pitchFamily="2" charset="2"/>
+              <a:buChar char="Ø"/>
+            </a:pPr>
+            <a:r>
+              <a:rPr lang="fr-FR" sz="2400" dirty="0"/>
+              <a:t>Doit s’exécuter rapidement = suffisamment rapide pour être passé globalement avant chaque commit</a:t>
+            </a:r>
+          </a:p>
+          <a:p>
+            <a:pPr marL="285750" indent="-285750">
+              <a:buFont typeface="Wingdings" panose="05000000000000000000" pitchFamily="2" charset="2"/>
+              <a:buChar char="Ø"/>
+            </a:pPr>
+            <a:endParaRPr lang="fr-FR" sz="2400" dirty="0"/>
+          </a:p>
+          <a:p>
+            <a:pPr marL="285750" indent="-285750">
+              <a:buFont typeface="Wingdings" panose="05000000000000000000" pitchFamily="2" charset="2"/>
+              <a:buChar char="Ø"/>
+            </a:pPr>
+            <a:endParaRPr lang="fr-FR" sz="2400" dirty="0"/>
+          </a:p>
+          <a:p>
+            <a:pPr marL="285750" indent="-285750">
+              <a:buFont typeface="Wingdings" panose="05000000000000000000" pitchFamily="2" charset="2"/>
+              <a:buChar char="Ø"/>
+            </a:pPr>
+            <a:r>
+              <a:rPr lang="fr-FR" sz="2400" dirty="0"/>
+              <a:t>Un « use case » par test</a:t>
+            </a:r>
+          </a:p>
+        </p:txBody>
+      </p:sp>
+      <p:sp>
+        <p:nvSpPr>
+          <p:cNvPr id="2" name="Rectangle 1">
+            <a:extLst>
+              <a:ext uri="{FF2B5EF4-FFF2-40B4-BE49-F238E27FC236}">
+                <a16:creationId xmlns:a16="http://schemas.microsoft.com/office/drawing/2014/main" id="{D951A4C4-F497-43CC-9A6A-51C58D281DF1}"/>
+              </a:ext>
+            </a:extLst>
+          </p:cNvPr>
+          <p:cNvSpPr>
+            <a:spLocks noChangeArrowheads="1"/>
+          </p:cNvSpPr>
+          <p:nvPr/>
+        </p:nvSpPr>
+        <p:spPr bwMode="auto">
+          <a:xfrm>
+            <a:off x="1196340" y="2187193"/>
+            <a:ext cx="5433060" cy="1015663"/>
+          </a:xfrm>
+          <a:prstGeom prst="rect">
+            <a:avLst/>
+          </a:prstGeom>
+          <a:solidFill>
+            <a:srgbClr val="FFFFFF"/>
+          </a:solidFill>
+          <a:ln>
+            <a:noFill/>
+          </a:ln>
+          <a:effectLst/>
+          <a:extLst>
+            <a:ext uri="{91240B29-F687-4F45-9708-019B960494DF}">
+              <a14:hiddenLine xmlns:a14="http://schemas.microsoft.com/office/drawing/2010/main" w="9525">
+                <a:solidFill>
+                  <a:schemeClr val="tx1"/>
+                </a:solidFill>
+                <a:miter lim="800000"/>
+                <a:headEnd/>
+                <a:tailEnd/>
+              </a14:hiddenLine>
+            </a:ext>
+            <a:ext uri="{AF507438-7753-43E0-B8FC-AC1667EBCBE1}">
+              <a14:hiddenEffects xmlns:a14="http://schemas.microsoft.com/office/drawing/2010/main">
+                <a:effectLst>
+                  <a:outerShdw dist="35921" dir="2700000" algn="ctr" rotWithShape="0">
+                    <a:schemeClr val="bg2"/>
+                  </a:outerShdw>
+                </a:effectLst>
+              </a14:hiddenEffects>
+            </a:ext>
+          </a:extLst>
+        </p:spPr>
+        <p:txBody>
+          <a:bodyPr vert="horz" wrap="square" lIns="91440" tIns="45720" rIns="91440" bIns="45720" numCol="1" anchor="ctr" anchorCtr="0" compatLnSpc="1">
+            <a:prstTxWarp prst="textNoShape">
+              <a:avLst/>
+            </a:prstTxWarp>
+            <a:spAutoFit/>
+          </a:bodyPr>
+          <a:lstStyle/>
+          <a:p>
+            <a:pPr marL="0" marR="0" lvl="0" indent="0" algn="l" defTabSz="914400" rtl="0" eaLnBrk="0" fontAlgn="base" latinLnBrk="0" hangingPunct="0">
+              <a:lnSpc>
+                <a:spcPct val="100000"/>
+              </a:lnSpc>
+              <a:spcBef>
+                <a:spcPct val="0"/>
+              </a:spcBef>
+              <a:spcAft>
+                <a:spcPct val="0"/>
+              </a:spcAft>
+              <a:buClrTx/>
+              <a:buSzTx/>
+              <a:buFontTx/>
+              <a:buNone/>
+              <a:tabLst/>
+            </a:pPr>
+            <a:r>
+              <a:rPr kumimoji="0" lang="fr-FR" altLang="fr-FR" sz="1000" b="0" i="0" u="none" strike="noStrike" cap="none" normalizeH="0" baseline="0" dirty="0">
+                <a:ln>
+                  <a:noFill/>
+                </a:ln>
+                <a:solidFill>
+                  <a:srgbClr val="808000"/>
+                </a:solidFill>
+                <a:effectLst/>
+                <a:latin typeface="Consolas" panose="020B0609020204030204" pitchFamily="49" charset="0"/>
+              </a:rPr>
+              <a:t>@Test</a:t>
+            </a:r>
+            <a:br>
+              <a:rPr kumimoji="0" lang="fr-FR" altLang="fr-FR" sz="1000" b="0" i="0" u="none" strike="noStrike" cap="none" normalizeH="0" baseline="0" dirty="0">
+                <a:ln>
+                  <a:noFill/>
+                </a:ln>
+                <a:solidFill>
+                  <a:srgbClr val="808000"/>
+                </a:solidFill>
+                <a:effectLst/>
+                <a:latin typeface="Consolas" panose="020B0609020204030204" pitchFamily="49" charset="0"/>
+              </a:rPr>
+            </a:br>
+            <a:r>
+              <a:rPr kumimoji="0" lang="fr-FR" altLang="fr-FR" sz="1000" b="1" i="0" u="none" strike="noStrike" cap="none" normalizeH="0" baseline="0" dirty="0" err="1">
+                <a:ln>
+                  <a:noFill/>
+                </a:ln>
+                <a:solidFill>
+                  <a:srgbClr val="000080"/>
+                </a:solidFill>
+                <a:effectLst/>
+                <a:latin typeface="Consolas" panose="020B0609020204030204" pitchFamily="49" charset="0"/>
+              </a:rPr>
+              <a:t>void</a:t>
+            </a:r>
+            <a:r>
+              <a:rPr kumimoji="0" lang="fr-FR" altLang="fr-FR" sz="1000" b="1" i="0" u="none" strike="noStrike" cap="none" normalizeH="0" baseline="0" dirty="0">
+                <a:ln>
+                  <a:noFill/>
+                </a:ln>
+                <a:solidFill>
+                  <a:srgbClr val="000080"/>
+                </a:solidFill>
+                <a:effectLst/>
+                <a:latin typeface="Consolas" panose="020B0609020204030204" pitchFamily="49" charset="0"/>
+              </a:rPr>
+              <a:t> </a:t>
+            </a:r>
+            <a:r>
+              <a:rPr kumimoji="0" lang="fr-FR" altLang="fr-FR" sz="1000" b="0" i="0" u="none" strike="noStrike" cap="none" normalizeH="0" baseline="0" dirty="0" err="1">
+                <a:ln>
+                  <a:noFill/>
+                </a:ln>
+                <a:solidFill>
+                  <a:srgbClr val="000000"/>
+                </a:solidFill>
+                <a:effectLst/>
+                <a:latin typeface="Consolas" panose="020B0609020204030204" pitchFamily="49" charset="0"/>
+              </a:rPr>
+              <a:t>find_should_return_reponse_of_repository</a:t>
+            </a:r>
+            <a:r>
+              <a:rPr kumimoji="0" lang="fr-FR" altLang="fr-FR" sz="1000" b="0" i="0" u="none" strike="noStrike" cap="none" normalizeH="0" baseline="0" dirty="0">
+                <a:ln>
+                  <a:noFill/>
+                </a:ln>
+                <a:solidFill>
+                  <a:srgbClr val="000000"/>
+                </a:solidFill>
+                <a:effectLst/>
+                <a:latin typeface="Consolas" panose="020B0609020204030204" pitchFamily="49" charset="0"/>
+              </a:rPr>
+              <a:t>() {</a:t>
+            </a:r>
+            <a:br>
+              <a:rPr kumimoji="0" lang="fr-FR" altLang="fr-FR" sz="1000" b="0" i="0" u="none" strike="noStrike" cap="none" normalizeH="0" baseline="0" dirty="0">
+                <a:ln>
+                  <a:noFill/>
+                </a:ln>
+                <a:solidFill>
+                  <a:srgbClr val="000000"/>
+                </a:solidFill>
+                <a:effectLst/>
+                <a:latin typeface="Consolas" panose="020B0609020204030204" pitchFamily="49" charset="0"/>
+              </a:rPr>
+            </a:br>
+            <a:r>
+              <a:rPr kumimoji="0" lang="fr-FR" altLang="fr-FR" sz="1000" b="0" i="0" u="none" strike="noStrike" cap="none" normalizeH="0" baseline="0" dirty="0">
+                <a:ln>
+                  <a:noFill/>
+                </a:ln>
+                <a:solidFill>
+                  <a:srgbClr val="000000"/>
+                </a:solidFill>
+                <a:effectLst/>
+                <a:latin typeface="Consolas" panose="020B0609020204030204" pitchFamily="49" charset="0"/>
+              </a:rPr>
+              <a:t>    </a:t>
+            </a:r>
+            <a:r>
+              <a:rPr kumimoji="0" lang="fr-FR" altLang="fr-FR" sz="1000" b="0" i="1" u="none" strike="noStrike" cap="none" normalizeH="0" baseline="0" dirty="0" err="1">
+                <a:ln>
+                  <a:noFill/>
+                </a:ln>
+                <a:solidFill>
+                  <a:srgbClr val="000000"/>
+                </a:solidFill>
+                <a:effectLst/>
+                <a:latin typeface="Consolas" panose="020B0609020204030204" pitchFamily="49" charset="0"/>
+              </a:rPr>
+              <a:t>when</a:t>
+            </a:r>
+            <a:r>
+              <a:rPr kumimoji="0" lang="fr-FR" altLang="fr-FR" sz="1000" b="0" i="0" u="none" strike="noStrike" cap="none" normalizeH="0" baseline="0" dirty="0">
+                <a:ln>
+                  <a:noFill/>
+                </a:ln>
+                <a:solidFill>
+                  <a:srgbClr val="000000"/>
+                </a:solidFill>
+                <a:effectLst/>
+                <a:latin typeface="Consolas" panose="020B0609020204030204" pitchFamily="49" charset="0"/>
+              </a:rPr>
+              <a:t>(</a:t>
+            </a:r>
+            <a:r>
+              <a:rPr kumimoji="0" lang="fr-FR" altLang="fr-FR" sz="1000" b="1" i="0" u="none" strike="noStrike" cap="none" normalizeH="0" baseline="0" dirty="0" err="1">
+                <a:ln>
+                  <a:noFill/>
+                </a:ln>
+                <a:solidFill>
+                  <a:srgbClr val="660E7A"/>
+                </a:solidFill>
+                <a:effectLst/>
+                <a:latin typeface="Consolas" panose="020B0609020204030204" pitchFamily="49" charset="0"/>
+              </a:rPr>
+              <a:t>helloRepository</a:t>
+            </a:r>
+            <a:r>
+              <a:rPr kumimoji="0" lang="fr-FR" altLang="fr-FR" sz="1000" b="0" i="0" u="none" strike="noStrike" cap="none" normalizeH="0" baseline="0" dirty="0" err="1">
+                <a:ln>
+                  <a:noFill/>
+                </a:ln>
+                <a:solidFill>
+                  <a:srgbClr val="000000"/>
+                </a:solidFill>
+                <a:effectLst/>
+                <a:latin typeface="Consolas" panose="020B0609020204030204" pitchFamily="49" charset="0"/>
+              </a:rPr>
+              <a:t>.find</a:t>
+            </a:r>
+            <a:r>
+              <a:rPr kumimoji="0" lang="fr-FR" altLang="fr-FR" sz="1000" b="0" i="0" u="none" strike="noStrike" cap="none" normalizeH="0" baseline="0" dirty="0">
+                <a:ln>
+                  <a:noFill/>
+                </a:ln>
+                <a:solidFill>
+                  <a:srgbClr val="000000"/>
+                </a:solidFill>
+                <a:effectLst/>
+                <a:latin typeface="Consolas" panose="020B0609020204030204" pitchFamily="49" charset="0"/>
+              </a:rPr>
+              <a:t>()).</a:t>
+            </a:r>
+            <a:r>
+              <a:rPr kumimoji="0" lang="fr-FR" altLang="fr-FR" sz="1000" b="0" i="0" u="none" strike="noStrike" cap="none" normalizeH="0" baseline="0" dirty="0" err="1">
+                <a:ln>
+                  <a:noFill/>
+                </a:ln>
+                <a:solidFill>
+                  <a:srgbClr val="000000"/>
+                </a:solidFill>
+                <a:effectLst/>
+                <a:latin typeface="Consolas" panose="020B0609020204030204" pitchFamily="49" charset="0"/>
+              </a:rPr>
+              <a:t>thenReturn</a:t>
+            </a:r>
+            <a:r>
+              <a:rPr kumimoji="0" lang="fr-FR" altLang="fr-FR" sz="1000" b="0" i="0" u="none" strike="noStrike" cap="none" normalizeH="0" baseline="0" dirty="0">
+                <a:ln>
+                  <a:noFill/>
+                </a:ln>
+                <a:solidFill>
+                  <a:srgbClr val="000000"/>
+                </a:solidFill>
+                <a:effectLst/>
+                <a:latin typeface="Consolas" panose="020B0609020204030204" pitchFamily="49" charset="0"/>
+              </a:rPr>
+              <a:t>(</a:t>
+            </a:r>
+            <a:r>
+              <a:rPr kumimoji="0" lang="fr-FR" altLang="fr-FR" sz="1000" b="1" i="0" u="none" strike="noStrike" cap="none" normalizeH="0" baseline="0" dirty="0">
+                <a:ln>
+                  <a:noFill/>
+                </a:ln>
+                <a:solidFill>
+                  <a:srgbClr val="008000"/>
+                </a:solidFill>
+                <a:effectLst/>
+                <a:latin typeface="Consolas" panose="020B0609020204030204" pitchFamily="49" charset="0"/>
+              </a:rPr>
+              <a:t>"Hello Seb"</a:t>
+            </a:r>
+            <a:r>
+              <a:rPr kumimoji="0" lang="fr-FR" altLang="fr-FR" sz="1000" b="0" i="0" u="none" strike="noStrike" cap="none" normalizeH="0" baseline="0" dirty="0">
+                <a:ln>
+                  <a:noFill/>
+                </a:ln>
+                <a:solidFill>
+                  <a:srgbClr val="000000"/>
+                </a:solidFill>
+                <a:effectLst/>
+                <a:latin typeface="Consolas" panose="020B0609020204030204" pitchFamily="49" charset="0"/>
+              </a:rPr>
+              <a:t>);</a:t>
+            </a:r>
+            <a:br>
+              <a:rPr kumimoji="0" lang="fr-FR" altLang="fr-FR" sz="1000" b="0" i="0" u="none" strike="noStrike" cap="none" normalizeH="0" baseline="0" dirty="0">
+                <a:ln>
+                  <a:noFill/>
+                </a:ln>
+                <a:solidFill>
+                  <a:srgbClr val="000000"/>
+                </a:solidFill>
+                <a:effectLst/>
+                <a:latin typeface="Consolas" panose="020B0609020204030204" pitchFamily="49" charset="0"/>
+              </a:rPr>
+            </a:br>
+            <a:r>
+              <a:rPr kumimoji="0" lang="fr-FR" altLang="fr-FR" sz="1000" b="0" i="0" u="none" strike="noStrike" cap="none" normalizeH="0" baseline="0" dirty="0">
+                <a:ln>
+                  <a:noFill/>
+                </a:ln>
+                <a:solidFill>
+                  <a:srgbClr val="000000"/>
+                </a:solidFill>
+                <a:effectLst/>
+                <a:latin typeface="Consolas" panose="020B0609020204030204" pitchFamily="49" charset="0"/>
+              </a:rPr>
+              <a:t/>
+            </a:r>
+            <a:br>
+              <a:rPr kumimoji="0" lang="fr-FR" altLang="fr-FR" sz="1000" b="0" i="0" u="none" strike="noStrike" cap="none" normalizeH="0" baseline="0" dirty="0">
+                <a:ln>
+                  <a:noFill/>
+                </a:ln>
+                <a:solidFill>
+                  <a:srgbClr val="000000"/>
+                </a:solidFill>
+                <a:effectLst/>
+                <a:latin typeface="Consolas" panose="020B0609020204030204" pitchFamily="49" charset="0"/>
+              </a:rPr>
+            </a:br>
+            <a:r>
+              <a:rPr kumimoji="0" lang="fr-FR" altLang="fr-FR" sz="1000" b="0" i="0" u="none" strike="noStrike" cap="none" normalizeH="0" baseline="0" dirty="0">
+                <a:ln>
+                  <a:noFill/>
+                </a:ln>
+                <a:solidFill>
+                  <a:srgbClr val="000000"/>
+                </a:solidFill>
+                <a:effectLst/>
+                <a:latin typeface="Consolas" panose="020B0609020204030204" pitchFamily="49" charset="0"/>
+              </a:rPr>
+              <a:t>    </a:t>
+            </a:r>
+            <a:r>
+              <a:rPr kumimoji="0" lang="fr-FR" altLang="fr-FR" sz="1000" b="0" i="1" u="none" strike="noStrike" cap="none" normalizeH="0" baseline="0" dirty="0" err="1">
+                <a:ln>
+                  <a:noFill/>
+                </a:ln>
+                <a:solidFill>
+                  <a:srgbClr val="000000"/>
+                </a:solidFill>
+                <a:effectLst/>
+                <a:latin typeface="Consolas" panose="020B0609020204030204" pitchFamily="49" charset="0"/>
+              </a:rPr>
+              <a:t>assertThat</a:t>
+            </a:r>
+            <a:r>
+              <a:rPr kumimoji="0" lang="fr-FR" altLang="fr-FR" sz="1000" b="0" i="0" u="none" strike="noStrike" cap="none" normalizeH="0" baseline="0" dirty="0">
+                <a:ln>
+                  <a:noFill/>
+                </a:ln>
+                <a:solidFill>
+                  <a:srgbClr val="000000"/>
+                </a:solidFill>
+                <a:effectLst/>
+                <a:latin typeface="Consolas" panose="020B0609020204030204" pitchFamily="49" charset="0"/>
+              </a:rPr>
+              <a:t>(</a:t>
+            </a:r>
+            <a:r>
+              <a:rPr kumimoji="0" lang="fr-FR" altLang="fr-FR" sz="1000" b="1" i="0" u="none" strike="noStrike" cap="none" normalizeH="0" baseline="0" dirty="0" err="1">
+                <a:ln>
+                  <a:noFill/>
+                </a:ln>
+                <a:solidFill>
+                  <a:srgbClr val="660E7A"/>
+                </a:solidFill>
+                <a:effectLst/>
+                <a:latin typeface="Consolas" panose="020B0609020204030204" pitchFamily="49" charset="0"/>
+              </a:rPr>
+              <a:t>helloService</a:t>
+            </a:r>
+            <a:r>
+              <a:rPr kumimoji="0" lang="fr-FR" altLang="fr-FR" sz="1000" b="0" i="0" u="none" strike="noStrike" cap="none" normalizeH="0" baseline="0" dirty="0" err="1">
+                <a:ln>
+                  <a:noFill/>
+                </a:ln>
+                <a:solidFill>
+                  <a:srgbClr val="000000"/>
+                </a:solidFill>
+                <a:effectLst/>
+                <a:latin typeface="Consolas" panose="020B0609020204030204" pitchFamily="49" charset="0"/>
+              </a:rPr>
+              <a:t>.find</a:t>
+            </a:r>
+            <a:r>
+              <a:rPr kumimoji="0" lang="fr-FR" altLang="fr-FR" sz="1000" b="0" i="0" u="none" strike="noStrike" cap="none" normalizeH="0" baseline="0" dirty="0">
+                <a:ln>
+                  <a:noFill/>
+                </a:ln>
+                <a:solidFill>
+                  <a:srgbClr val="000000"/>
+                </a:solidFill>
+                <a:effectLst/>
+                <a:latin typeface="Consolas" panose="020B0609020204030204" pitchFamily="49" charset="0"/>
+              </a:rPr>
+              <a:t>()).</a:t>
+            </a:r>
+            <a:r>
+              <a:rPr kumimoji="0" lang="fr-FR" altLang="fr-FR" sz="1000" b="0" i="0" u="none" strike="noStrike" cap="none" normalizeH="0" baseline="0" dirty="0" err="1">
+                <a:ln>
+                  <a:noFill/>
+                </a:ln>
+                <a:solidFill>
+                  <a:srgbClr val="000000"/>
+                </a:solidFill>
+                <a:effectLst/>
+                <a:latin typeface="Consolas" panose="020B0609020204030204" pitchFamily="49" charset="0"/>
+              </a:rPr>
+              <a:t>isEqualTo</a:t>
+            </a:r>
+            <a:r>
+              <a:rPr kumimoji="0" lang="fr-FR" altLang="fr-FR" sz="1000" b="0" i="0" u="none" strike="noStrike" cap="none" normalizeH="0" baseline="0" dirty="0">
+                <a:ln>
+                  <a:noFill/>
+                </a:ln>
+                <a:solidFill>
+                  <a:srgbClr val="000000"/>
+                </a:solidFill>
+                <a:effectLst/>
+                <a:latin typeface="Consolas" panose="020B0609020204030204" pitchFamily="49" charset="0"/>
+              </a:rPr>
+              <a:t>(</a:t>
+            </a:r>
+            <a:r>
+              <a:rPr kumimoji="0" lang="fr-FR" altLang="fr-FR" sz="1000" b="1" i="0" u="none" strike="noStrike" cap="none" normalizeH="0" baseline="0" dirty="0">
+                <a:ln>
+                  <a:noFill/>
+                </a:ln>
+                <a:solidFill>
+                  <a:srgbClr val="008000"/>
+                </a:solidFill>
+                <a:effectLst/>
+                <a:latin typeface="Consolas" panose="020B0609020204030204" pitchFamily="49" charset="0"/>
+              </a:rPr>
+              <a:t>"Hello Seb"</a:t>
+            </a:r>
+            <a:r>
+              <a:rPr kumimoji="0" lang="fr-FR" altLang="fr-FR" sz="1000" b="0" i="0" u="none" strike="noStrike" cap="none" normalizeH="0" baseline="0" dirty="0">
+                <a:ln>
+                  <a:noFill/>
+                </a:ln>
+                <a:solidFill>
+                  <a:srgbClr val="000000"/>
+                </a:solidFill>
+                <a:effectLst/>
+                <a:latin typeface="Consolas" panose="020B0609020204030204" pitchFamily="49" charset="0"/>
+              </a:rPr>
+              <a:t>);</a:t>
+            </a:r>
+            <a:br>
+              <a:rPr kumimoji="0" lang="fr-FR" altLang="fr-FR" sz="1000" b="0" i="0" u="none" strike="noStrike" cap="none" normalizeH="0" baseline="0" dirty="0">
+                <a:ln>
+                  <a:noFill/>
+                </a:ln>
+                <a:solidFill>
+                  <a:srgbClr val="000000"/>
+                </a:solidFill>
+                <a:effectLst/>
+                <a:latin typeface="Consolas" panose="020B0609020204030204" pitchFamily="49" charset="0"/>
+              </a:rPr>
+            </a:br>
+            <a:r>
+              <a:rPr kumimoji="0" lang="fr-FR" altLang="fr-FR" sz="1000" b="0" i="0" u="none" strike="noStrike" cap="none" normalizeH="0" baseline="0" dirty="0">
+                <a:ln>
+                  <a:noFill/>
+                </a:ln>
+                <a:solidFill>
+                  <a:srgbClr val="000000"/>
+                </a:solidFill>
+                <a:effectLst/>
+                <a:latin typeface="Consolas" panose="020B0609020204030204" pitchFamily="49" charset="0"/>
+              </a:rPr>
+              <a:t>}</a:t>
+            </a:r>
+            <a:endParaRPr kumimoji="0" lang="fr-FR" altLang="fr-FR" sz="1800" b="0" i="0" u="none" strike="noStrike" cap="none" normalizeH="0" baseline="0" dirty="0">
+              <a:ln>
+                <a:noFill/>
+              </a:ln>
+              <a:solidFill>
+                <a:schemeClr val="tx1"/>
+              </a:solidFill>
+              <a:effectLst/>
+              <a:latin typeface="Arial" panose="020B0604020202020204" pitchFamily="34" charset="0"/>
+            </a:endParaRPr>
+          </a:p>
+        </p:txBody>
+      </p:sp>
+    </p:spTree>
+    <p:extLst>
+      <p:ext uri="{BB962C8B-B14F-4D97-AF65-F5344CB8AC3E}">
+        <p14:creationId xmlns:p14="http://schemas.microsoft.com/office/powerpoint/2010/main" val="249243321"/>
+      </p:ext>
+    </p:extLst>
+  </p:cSld>
+  <p:clrMapOvr>
+    <a:masterClrMapping/>
+  </p:clrMapOvr>
+  <mc:AlternateContent xmlns:mc="http://schemas.openxmlformats.org/markup-compatibility/2006" xmlns:p14="http://schemas.microsoft.com/office/powerpoint/2010/main">
+    <mc:Choice Requires="p14">
+      <p:transition p14:dur="10"/>
+    </mc:Choice>
+    <mc:Fallback xmlns="">
+      <p:transition/>
+    </mc:Fallback>
+  </mc:AlternateContent>
+  <p:timing>
+    <p:tnLst>
+      <p:par>
+        <p:cTn id="1" dur="indefinite" restart="never" nodeType="tmRoot">
+          <p:childTnLst>
+            <p:seq concurrent="1" nextAc="seek">
+              <p:cTn id="2" dur="indefinite" nodeType="mainSeq">
+                <p:childTnLst>
+                  <p:par>
+                    <p:cTn id="3" fill="hold">
+                      <p:stCondLst>
+                        <p:cond delay="indefinite"/>
+                      </p:stCondLst>
+                      <p:childTnLst>
+                        <p:par>
+                          <p:cTn id="4" fill="hold">
+                            <p:stCondLst>
+                              <p:cond delay="0"/>
+                            </p:stCondLst>
+                            <p:childTnLst>
+                              <p:par>
+                                <p:cTn id="5" presetID="1" presetClass="entr" presetSubtype="0" fill="hold" nodeType="clickEffect">
+                                  <p:stCondLst>
+                                    <p:cond delay="0"/>
+                                  </p:stCondLst>
+                                  <p:childTnLst>
+                                    <p:set>
+                                      <p:cBhvr>
+                                        <p:cTn id="6" dur="1" fill="hold">
+                                          <p:stCondLst>
+                                            <p:cond delay="0"/>
+                                          </p:stCondLst>
+                                        </p:cTn>
+                                        <p:tgtEl>
+                                          <p:spTgt spid="5">
+                                            <p:txEl>
+                                              <p:pRg st="0" end="0"/>
+                                            </p:txEl>
+                                          </p:spTgt>
+                                        </p:tgtEl>
+                                        <p:attrNameLst>
+                                          <p:attrName>style.visibility</p:attrName>
+                                        </p:attrNameLst>
+                                      </p:cBhvr>
+                                      <p:to>
+                                        <p:strVal val="visible"/>
+                                      </p:to>
+                                    </p:set>
+                                  </p:childTnLst>
+                                </p:cTn>
+                              </p:par>
+                              <p:par>
+                                <p:cTn id="7" presetID="1" presetClass="entr" presetSubtype="0" fill="hold" grpId="0" nodeType="withEffect">
+                                  <p:stCondLst>
+                                    <p:cond delay="0"/>
+                                  </p:stCondLst>
+                                  <p:childTnLst>
+                                    <p:set>
+                                      <p:cBhvr>
+                                        <p:cTn id="8" dur="1" fill="hold">
+                                          <p:stCondLst>
+                                            <p:cond delay="0"/>
+                                          </p:stCondLst>
+                                        </p:cTn>
+                                        <p:tgtEl>
+                                          <p:spTgt spid="2"/>
+                                        </p:tgtEl>
+                                        <p:attrNameLst>
+                                          <p:attrName>style.visibility</p:attrName>
+                                        </p:attrNameLst>
+                                      </p:cBhvr>
+                                      <p:to>
+                                        <p:strVal val="visible"/>
+                                      </p:to>
+                                    </p:set>
+                                  </p:childTnLst>
+                                </p:cTn>
+                              </p:par>
+                            </p:childTnLst>
+                          </p:cTn>
+                        </p:par>
+                      </p:childTnLst>
+                    </p:cTn>
+                  </p:par>
+                  <p:par>
+                    <p:cTn id="9" fill="hold">
+                      <p:stCondLst>
+                        <p:cond delay="indefinite"/>
+                      </p:stCondLst>
+                      <p:childTnLst>
+                        <p:par>
+                          <p:cTn id="10" fill="hold">
+                            <p:stCondLst>
+                              <p:cond delay="0"/>
+                            </p:stCondLst>
+                            <p:childTnLst>
+                              <p:par>
+                                <p:cTn id="11" presetID="1" presetClass="entr" presetSubtype="0" fill="hold" nodeType="clickEffect">
+                                  <p:stCondLst>
+                                    <p:cond delay="0"/>
+                                  </p:stCondLst>
+                                  <p:childTnLst>
+                                    <p:set>
+                                      <p:cBhvr>
+                                        <p:cTn id="12" dur="1" fill="hold">
+                                          <p:stCondLst>
+                                            <p:cond delay="0"/>
+                                          </p:stCondLst>
+                                        </p:cTn>
+                                        <p:tgtEl>
+                                          <p:spTgt spid="5">
+                                            <p:txEl>
+                                              <p:pRg st="5" end="5"/>
+                                            </p:txEl>
+                                          </p:spTgt>
+                                        </p:tgtEl>
+                                        <p:attrNameLst>
+                                          <p:attrName>style.visibility</p:attrName>
+                                        </p:attrNameLst>
+                                      </p:cBhvr>
+                                      <p:to>
+                                        <p:strVal val="visible"/>
+                                      </p:to>
+                                    </p:set>
+                                  </p:childTnLst>
+                                </p:cTn>
+                              </p:par>
+                            </p:childTnLst>
+                          </p:cTn>
+                        </p:par>
+                      </p:childTnLst>
+                    </p:cTn>
+                  </p:par>
+                  <p:par>
+                    <p:cTn id="13" fill="hold">
+                      <p:stCondLst>
+                        <p:cond delay="indefinite"/>
+                      </p:stCondLst>
+                      <p:childTnLst>
+                        <p:par>
+                          <p:cTn id="14" fill="hold">
+                            <p:stCondLst>
+                              <p:cond delay="0"/>
+                            </p:stCondLst>
+                            <p:childTnLst>
+                              <p:par>
+                                <p:cTn id="15" presetID="1" presetClass="entr" presetSubtype="0" fill="hold" nodeType="clickEffect">
+                                  <p:stCondLst>
+                                    <p:cond delay="0"/>
+                                  </p:stCondLst>
+                                  <p:childTnLst>
+                                    <p:set>
+                                      <p:cBhvr>
+                                        <p:cTn id="16" dur="1" fill="hold">
+                                          <p:stCondLst>
+                                            <p:cond delay="0"/>
+                                          </p:stCondLst>
+                                        </p:cTn>
+                                        <p:tgtEl>
+                                          <p:spTgt spid="5">
+                                            <p:txEl>
+                                              <p:pRg st="8" end="8"/>
+                                            </p:txEl>
+                                          </p:spTgt>
+                                        </p:tgtEl>
+                                        <p:attrNameLst>
+                                          <p:attrName>style.visibility</p:attrName>
+                                        </p:attrNameLst>
+                                      </p:cBhvr>
+                                      <p:to>
+                                        <p:strVal val="visible"/>
+                                      </p:to>
+                                    </p:set>
+                                  </p:childTnLst>
+                                </p:cTn>
+                              </p:par>
+                            </p:childTnLst>
+                          </p:cTn>
+                        </p:par>
+                      </p:childTnLst>
+                    </p:cTn>
+                  </p:par>
+                </p:childTnLst>
+              </p:cTn>
+              <p:prevCondLst>
+                <p:cond evt="onPrev" delay="0">
+                  <p:tgtEl>
+                    <p:sldTgt/>
+                  </p:tgtEl>
+                </p:cond>
+              </p:prevCondLst>
+              <p:nextCondLst>
+                <p:cond evt="onNext" delay="0">
+                  <p:tgtEl>
+                    <p:sldTgt/>
+                  </p:tgtEl>
+                </p:cond>
+              </p:nextCondLst>
+            </p:seq>
+          </p:childTnLst>
+        </p:cTn>
+      </p:par>
+    </p:tnLst>
+    <p:bldLst>
+      <p:bldP spid="2" grpId="0" animBg="1"/>
+    </p:bldLst>
+  </p:timing>
+</p:sld>
+</file>
+
+<file path=ppt/slides/slide11.xml><?xml version="1.0" encoding="utf-8"?>
 <p:sld xmlns:a="http://schemas.openxmlformats.org/drawingml/2006/main" xmlns:r="http://schemas.openxmlformats.org/officeDocument/2006/relationships" xmlns:p="http://schemas.openxmlformats.org/presentationml/2006/main">
   <p:cSld>
     <p:spTree>
@@ -4618,7 +5520,7 @@
 </p:sld>
 </file>
 
-<file path=ppt/slides/slide11.xml><?xml version="1.0" encoding="utf-8"?>
+<file path=ppt/slides/slide12.xml><?xml version="1.0" encoding="utf-8"?>
 <p:sld xmlns:a="http://schemas.openxmlformats.org/drawingml/2006/main" xmlns:r="http://schemas.openxmlformats.org/officeDocument/2006/relationships" xmlns:p="http://schemas.openxmlformats.org/presentationml/2006/main">
   <p:cSld>
     <p:spTree>
@@ -4855,7 +5757,7 @@
 </p:sld>
 </file>
 
-<file path=ppt/slides/slide12.xml><?xml version="1.0" encoding="utf-8"?>
+<file path=ppt/slides/slide13.xml><?xml version="1.0" encoding="utf-8"?>
 <p:sld xmlns:a="http://schemas.openxmlformats.org/drawingml/2006/main" xmlns:r="http://schemas.openxmlformats.org/officeDocument/2006/relationships" xmlns:p="http://schemas.openxmlformats.org/presentationml/2006/main">
   <p:cSld>
     <p:spTree>
@@ -5216,7 +6118,7 @@
 </p:sld>
 </file>
 
-<file path=ppt/slides/slide13.xml><?xml version="1.0" encoding="utf-8"?>
+<file path=ppt/slides/slide14.xml><?xml version="1.0" encoding="utf-8"?>
 <p:sld xmlns:a="http://schemas.openxmlformats.org/drawingml/2006/main" xmlns:r="http://schemas.openxmlformats.org/officeDocument/2006/relationships" xmlns:p="http://schemas.openxmlformats.org/presentationml/2006/main">
   <p:cSld>
     <p:spTree>
@@ -5408,7 +6310,7 @@
 </p:sld>
 </file>
 
-<file path=ppt/slides/slide14.xml><?xml version="1.0" encoding="utf-8"?>
+<file path=ppt/slides/slide15.xml><?xml version="1.0" encoding="utf-8"?>
 <p:sld xmlns:a="http://schemas.openxmlformats.org/drawingml/2006/main" xmlns:r="http://schemas.openxmlformats.org/officeDocument/2006/relationships" xmlns:p="http://schemas.openxmlformats.org/presentationml/2006/main">
   <p:cSld>
     <p:spTree>
@@ -5595,7 +6497,7 @@
 </p:sld>
 </file>
 
-<file path=ppt/slides/slide15.xml><?xml version="1.0" encoding="utf-8"?>
+<file path=ppt/slides/slide16.xml><?xml version="1.0" encoding="utf-8"?>
 <p:sld xmlns:a="http://schemas.openxmlformats.org/drawingml/2006/main" xmlns:r="http://schemas.openxmlformats.org/officeDocument/2006/relationships" xmlns:p="http://schemas.openxmlformats.org/presentationml/2006/main">
   <p:cSld>
     <p:spTree>
@@ -5920,6 +6822,105 @@
 </file>
 
 <file path=ppt/slides/slide2.xml><?xml version="1.0" encoding="utf-8"?>
+<p:sld xmlns:a="http://schemas.openxmlformats.org/drawingml/2006/main" xmlns:r="http://schemas.openxmlformats.org/officeDocument/2006/relationships" xmlns:p="http://schemas.openxmlformats.org/presentationml/2006/main">
+  <p:cSld>
+    <p:spTree>
+      <p:nvGrpSpPr>
+        <p:cNvPr id="1" name=""/>
+        <p:cNvGrpSpPr/>
+        <p:nvPr/>
+      </p:nvGrpSpPr>
+      <p:grpSpPr>
+        <a:xfrm>
+          <a:off x="0" y="0"/>
+          <a:ext cx="0" cy="0"/>
+          <a:chOff x="0" y="0"/>
+          <a:chExt cx="0" cy="0"/>
+        </a:xfrm>
+      </p:grpSpPr>
+      <p:sp>
+        <p:nvSpPr>
+          <p:cNvPr id="6" name="Rectangle 5"/>
+          <p:cNvSpPr/>
+          <p:nvPr/>
+        </p:nvSpPr>
+        <p:spPr>
+          <a:xfrm>
+            <a:off x="0" y="0"/>
+            <a:ext cx="12192000" cy="6850130"/>
+          </a:xfrm>
+          <a:prstGeom prst="rect">
+            <a:avLst/>
+          </a:prstGeom>
+        </p:spPr>
+        <p:style>
+          <a:lnRef idx="2">
+            <a:schemeClr val="dk1"/>
+          </a:lnRef>
+          <a:fillRef idx="1">
+            <a:schemeClr val="lt1"/>
+          </a:fillRef>
+          <a:effectRef idx="0">
+            <a:schemeClr val="dk1"/>
+          </a:effectRef>
+          <a:fontRef idx="minor">
+            <a:schemeClr val="dk1"/>
+          </a:fontRef>
+        </p:style>
+        <p:txBody>
+          <a:bodyPr rtlCol="0" anchor="ctr"/>
+          <a:lstStyle/>
+          <a:p>
+            <a:pPr algn="ctr"/>
+            <a:endParaRPr lang="fr-FR"/>
+          </a:p>
+        </p:txBody>
+      </p:sp>
+      <p:pic>
+        <p:nvPicPr>
+          <p:cNvPr id="5" name="Image 4"/>
+          <p:cNvPicPr>
+            <a:picLocks noChangeAspect="1"/>
+          </p:cNvPicPr>
+          <p:nvPr/>
+        </p:nvPicPr>
+        <p:blipFill>
+          <a:blip r:embed="rId2"/>
+          <a:stretch>
+            <a:fillRect/>
+          </a:stretch>
+        </p:blipFill>
+        <p:spPr>
+          <a:xfrm>
+            <a:off x="2976145" y="-1"/>
+            <a:ext cx="5419709" cy="6850131"/>
+          </a:xfrm>
+          <a:prstGeom prst="rect">
+            <a:avLst/>
+          </a:prstGeom>
+        </p:spPr>
+      </p:pic>
+    </p:spTree>
+    <p:extLst>
+      <p:ext uri="{BB962C8B-B14F-4D97-AF65-F5344CB8AC3E}">
+        <p14:creationId xmlns:p14="http://schemas.microsoft.com/office/powerpoint/2010/main" val="1395453369"/>
+      </p:ext>
+    </p:extLst>
+  </p:cSld>
+  <p:clrMapOvr>
+    <a:masterClrMapping/>
+  </p:clrMapOvr>
+  <p:timing>
+    <p:tnLst>
+      <p:par>
+        <p:cTn id="1" dur="indefinite" restart="never" nodeType="tmRoot"/>
+      </p:par>
+    </p:tnLst>
+  </p:timing>
+</p:sld>
+</file>
+
+<file path=ppt/slides/slide3.xml><?xml version="1.0" encoding="utf-8"?>
 <p:sld xmlns:a="http://schemas.openxmlformats.org/drawingml/2006/main" xmlns:r="http://schemas.openxmlformats.org/officeDocument/2006/relationships" xmlns:p="http://schemas.openxmlformats.org/presentationml/2006/main">
   <p:cSld>
     <p:spTree>
@@ -6477,7 +7478,7 @@
 </p:sld>
 </file>
 
-<file path=ppt/slides/slide3.xml><?xml version="1.0" encoding="utf-8"?>
+<file path=ppt/slides/slide4.xml><?xml version="1.0" encoding="utf-8"?>
 <p:sld xmlns:a="http://schemas.openxmlformats.org/drawingml/2006/main" xmlns:r="http://schemas.openxmlformats.org/officeDocument/2006/relationships" xmlns:p="http://schemas.openxmlformats.org/presentationml/2006/main">
   <p:cSld>
     <p:spTree>
@@ -6944,7 +7945,7 @@
 </p:sld>
 </file>
 
-<file path=ppt/slides/slide4.xml><?xml version="1.0" encoding="utf-8"?>
+<file path=ppt/slides/slide5.xml><?xml version="1.0" encoding="utf-8"?>
 <p:sld xmlns:a="http://schemas.openxmlformats.org/drawingml/2006/main" xmlns:r="http://schemas.openxmlformats.org/officeDocument/2006/relationships" xmlns:p="http://schemas.openxmlformats.org/presentationml/2006/main">
   <p:cSld>
     <p:spTree>
@@ -8124,7 +9125,7 @@
 </p:sld>
 </file>
 
-<file path=ppt/slides/slide5.xml><?xml version="1.0" encoding="utf-8"?>
+<file path=ppt/slides/slide6.xml><?xml version="1.0" encoding="utf-8"?>
 <p:sld xmlns:a="http://schemas.openxmlformats.org/drawingml/2006/main" xmlns:r="http://schemas.openxmlformats.org/officeDocument/2006/relationships" xmlns:p="http://schemas.openxmlformats.org/presentationml/2006/main">
   <p:cSld>
     <p:spTree>
@@ -8222,10 +9223,17 @@
       <p:transition/>
     </mc:Fallback>
   </mc:AlternateContent>
+  <p:timing>
+    <p:tnLst>
+      <p:par>
+        <p:cTn id="1" dur="indefinite" restart="never" nodeType="tmRoot"/>
+      </p:par>
+    </p:tnLst>
+  </p:timing>
 </p:sld>
 </file>
 
-<file path=ppt/slides/slide6.xml><?xml version="1.0" encoding="utf-8"?>
+<file path=ppt/slides/slide7.xml><?xml version="1.0" encoding="utf-8"?>
 <p:sld xmlns:a="http://schemas.openxmlformats.org/drawingml/2006/main" xmlns:r="http://schemas.openxmlformats.org/officeDocument/2006/relationships" xmlns:p="http://schemas.openxmlformats.org/presentationml/2006/main">
   <p:cSld>
     <p:spTree>
@@ -8905,7 +9913,7 @@
 </p:sld>
 </file>
 
-<file path=ppt/slides/slide7.xml><?xml version="1.0" encoding="utf-8"?>
+<file path=ppt/slides/slide8.xml><?xml version="1.0" encoding="utf-8"?>
 <p:sld xmlns:a="http://schemas.openxmlformats.org/drawingml/2006/main" xmlns:r="http://schemas.openxmlformats.org/officeDocument/2006/relationships" xmlns:p="http://schemas.openxmlformats.org/presentationml/2006/main">
   <p:cSld>
     <p:spTree>
@@ -9258,7 +10266,7 @@
 </p:sld>
 </file>
 
-<file path=ppt/slides/slide8.xml><?xml version="1.0" encoding="utf-8"?>
+<file path=ppt/slides/slide9.xml><?xml version="1.0" encoding="utf-8"?>
 <p:sld xmlns:a="http://schemas.openxmlformats.org/drawingml/2006/main" xmlns:r="http://schemas.openxmlformats.org/officeDocument/2006/relationships" xmlns:p="http://schemas.openxmlformats.org/presentationml/2006/main">
   <p:cSld>
     <p:spTree>
@@ -9730,6 +10738,19 @@
                 <a:latin typeface="Consolas" panose="020B0609020204030204" pitchFamily="49" charset="0"/>
               </a:rPr>
             </a:br>
+            <a:r>
+              <a:rPr kumimoji="0" lang="fr-FR" altLang="fr-FR" sz="1000" b="0" i="0" u="none" strike="noStrike" cap="none" normalizeH="0" baseline="0" dirty="0">
+                <a:ln>
+                  <a:noFill/>
+                </a:ln>
+                <a:solidFill>
+                  <a:srgbClr val="000000"/>
+                </a:solidFill>
+                <a:effectLst/>
+                <a:latin typeface="Consolas" panose="020B0609020204030204" pitchFamily="49" charset="0"/>
+              </a:rPr>
+              <a:t/>
+            </a:r>
             <a:br>
               <a:rPr kumimoji="0" lang="fr-FR" altLang="fr-FR" sz="1000" b="0" i="0" u="none" strike="noStrike" cap="none" normalizeH="0" baseline="0" dirty="0">
                 <a:ln>
@@ -9832,6 +10853,19 @@
                 <a:latin typeface="Consolas" panose="020B0609020204030204" pitchFamily="49" charset="0"/>
               </a:rPr>
             </a:br>
+            <a:r>
+              <a:rPr kumimoji="0" lang="fr-FR" altLang="fr-FR" sz="1000" b="0" i="0" u="none" strike="noStrike" cap="none" normalizeH="0" baseline="0" dirty="0">
+                <a:ln>
+                  <a:noFill/>
+                </a:ln>
+                <a:solidFill>
+                  <a:srgbClr val="000000"/>
+                </a:solidFill>
+                <a:effectLst/>
+                <a:latin typeface="Consolas" panose="020B0609020204030204" pitchFamily="49" charset="0"/>
+              </a:rPr>
+              <a:t/>
+            </a:r>
             <a:br>
               <a:rPr kumimoji="0" lang="fr-FR" altLang="fr-FR" sz="1000" b="0" i="0" u="none" strike="noStrike" cap="none" normalizeH="0" baseline="0" dirty="0">
                 <a:ln>
@@ -10315,6 +11349,19 @@
                 <a:latin typeface="Consolas" panose="020B0609020204030204" pitchFamily="49" charset="0"/>
               </a:rPr>
             </a:br>
+            <a:r>
+              <a:rPr kumimoji="0" lang="fr-FR" altLang="fr-FR" sz="1000" b="0" i="0" u="none" strike="noStrike" cap="none" normalizeH="0" baseline="0" dirty="0">
+                <a:ln>
+                  <a:noFill/>
+                </a:ln>
+                <a:solidFill>
+                  <a:srgbClr val="000000"/>
+                </a:solidFill>
+                <a:effectLst/>
+                <a:latin typeface="Consolas" panose="020B0609020204030204" pitchFamily="49" charset="0"/>
+              </a:rPr>
+              <a:t/>
+            </a:r>
             <a:br>
               <a:rPr kumimoji="0" lang="fr-FR" altLang="fr-FR" sz="1000" b="0" i="0" u="none" strike="noStrike" cap="none" normalizeH="0" baseline="0" dirty="0">
                 <a:ln>
@@ -10856,866 +11903,6 @@
       <p:bldP spid="3" grpId="0" animBg="1"/>
       <p:bldP spid="6" grpId="0" animBg="1"/>
       <p:bldP spid="7" grpId="0" animBg="1"/>
-    </p:bldLst>
-  </p:timing>
-</p:sld>
-</file>
-
-<file path=ppt/slides/slide9.xml><?xml version="1.0" encoding="utf-8"?>
-<p:sld xmlns:a="http://schemas.openxmlformats.org/drawingml/2006/main" xmlns:r="http://schemas.openxmlformats.org/officeDocument/2006/relationships" xmlns:p="http://schemas.openxmlformats.org/presentationml/2006/main">
-  <p:cSld>
-    <p:spTree>
-      <p:nvGrpSpPr>
-        <p:cNvPr id="1" name=""/>
-        <p:cNvGrpSpPr/>
-        <p:nvPr/>
-      </p:nvGrpSpPr>
-      <p:grpSpPr>
-        <a:xfrm>
-          <a:off x="0" y="0"/>
-          <a:ext cx="0" cy="0"/>
-          <a:chOff x="0" y="0"/>
-          <a:chExt cx="0" cy="0"/>
-        </a:xfrm>
-      </p:grpSpPr>
-      <p:sp>
-        <p:nvSpPr>
-          <p:cNvPr id="4" name="Titre 3"/>
-          <p:cNvSpPr>
-            <a:spLocks noGrp="1"/>
-          </p:cNvSpPr>
-          <p:nvPr>
-            <p:ph type="title"/>
-          </p:nvPr>
-        </p:nvSpPr>
-        <p:spPr/>
-        <p:txBody>
-          <a:bodyPr rtlCol="0"/>
-          <a:lstStyle/>
-          <a:p>
-            <a:pPr rtl="0"/>
-            <a:r>
-              <a:rPr lang="fr-FR" noProof="1">
-                <a:latin typeface="Segoe UI Light" panose="020B0502040204020203" pitchFamily="34" charset="0"/>
-                <a:cs typeface="Segoe UI Light" panose="020B0502040204020203" pitchFamily="34" charset="0"/>
-              </a:rPr>
-              <a:t>Quelques bonnes pratiques</a:t>
-            </a:r>
-          </a:p>
-        </p:txBody>
-      </p:sp>
-      <p:sp>
-        <p:nvSpPr>
-          <p:cNvPr id="5" name="ZoneTexte 4"/>
-          <p:cNvSpPr txBox="1"/>
-          <p:nvPr/>
-        </p:nvSpPr>
-        <p:spPr>
-          <a:xfrm>
-            <a:off x="707571" y="1338943"/>
-            <a:ext cx="10961915" cy="4154984"/>
-          </a:xfrm>
-          <a:prstGeom prst="rect">
-            <a:avLst/>
-          </a:prstGeom>
-          <a:noFill/>
-        </p:spPr>
-        <p:txBody>
-          <a:bodyPr wrap="square" rtlCol="0">
-            <a:spAutoFit/>
-          </a:bodyPr>
-          <a:lstStyle/>
-          <a:p>
-            <a:pPr marL="285750" indent="-285750">
-              <a:buFont typeface="Wingdings" panose="05000000000000000000" pitchFamily="2" charset="2"/>
-              <a:buChar char="Ø"/>
-            </a:pPr>
-            <a:r>
-              <a:rPr lang="fr-FR" sz="2400" dirty="0"/>
-              <a:t>Nommage clair qui permet de décrire le « use case » testé et par la même occasion de documenter le code </a:t>
-            </a:r>
-            <a:r>
-              <a:rPr lang="fr-FR" sz="2400" dirty="0">
-                <a:sym typeface="Wingdings" panose="05000000000000000000" pitchFamily="2" charset="2"/>
-              </a:rPr>
-              <a:t></a:t>
-            </a:r>
-            <a:endParaRPr lang="fr-FR" sz="2400" dirty="0"/>
-          </a:p>
-          <a:p>
-            <a:pPr marL="285750" indent="-285750">
-              <a:buFont typeface="Wingdings" panose="05000000000000000000" pitchFamily="2" charset="2"/>
-              <a:buChar char="Ø"/>
-            </a:pPr>
-            <a:endParaRPr lang="fr-FR" sz="2400" dirty="0"/>
-          </a:p>
-          <a:p>
-            <a:pPr marL="285750" indent="-285750">
-              <a:buFont typeface="Wingdings" panose="05000000000000000000" pitchFamily="2" charset="2"/>
-              <a:buChar char="Ø"/>
-            </a:pPr>
-            <a:endParaRPr lang="fr-FR" sz="2400" dirty="0"/>
-          </a:p>
-          <a:p>
-            <a:pPr marL="285750" indent="-285750">
-              <a:buFont typeface="Wingdings" panose="05000000000000000000" pitchFamily="2" charset="2"/>
-              <a:buChar char="Ø"/>
-            </a:pPr>
-            <a:endParaRPr lang="fr-FR" sz="2400" dirty="0"/>
-          </a:p>
-          <a:p>
-            <a:pPr marL="285750" indent="-285750">
-              <a:buFont typeface="Wingdings" panose="05000000000000000000" pitchFamily="2" charset="2"/>
-              <a:buChar char="Ø"/>
-            </a:pPr>
-            <a:endParaRPr lang="fr-FR" sz="2400" dirty="0"/>
-          </a:p>
-          <a:p>
-            <a:pPr marL="285750" indent="-285750">
-              <a:buFont typeface="Wingdings" panose="05000000000000000000" pitchFamily="2" charset="2"/>
-              <a:buChar char="Ø"/>
-            </a:pPr>
-            <a:r>
-              <a:rPr lang="fr-FR" sz="2400" dirty="0"/>
-              <a:t>Doit s’exécuter rapidement = suffisamment rapide pour être passé globalement avant chaque commit</a:t>
-            </a:r>
-          </a:p>
-          <a:p>
-            <a:pPr marL="285750" indent="-285750">
-              <a:buFont typeface="Wingdings" panose="05000000000000000000" pitchFamily="2" charset="2"/>
-              <a:buChar char="Ø"/>
-            </a:pPr>
-            <a:endParaRPr lang="fr-FR" sz="2400" dirty="0"/>
-          </a:p>
-          <a:p>
-            <a:pPr marL="285750" indent="-285750">
-              <a:buFont typeface="Wingdings" panose="05000000000000000000" pitchFamily="2" charset="2"/>
-              <a:buChar char="Ø"/>
-            </a:pPr>
-            <a:endParaRPr lang="fr-FR" sz="2400" dirty="0"/>
-          </a:p>
-          <a:p>
-            <a:pPr marL="285750" indent="-285750">
-              <a:buFont typeface="Wingdings" panose="05000000000000000000" pitchFamily="2" charset="2"/>
-              <a:buChar char="Ø"/>
-            </a:pPr>
-            <a:r>
-              <a:rPr lang="fr-FR" sz="2400" dirty="0"/>
-              <a:t>Un « use case » par test</a:t>
-            </a:r>
-          </a:p>
-        </p:txBody>
-      </p:sp>
-      <p:sp>
-        <p:nvSpPr>
-          <p:cNvPr id="2" name="Rectangle 1">
-            <a:extLst>
-              <a:ext uri="{FF2B5EF4-FFF2-40B4-BE49-F238E27FC236}">
-                <a16:creationId xmlns:a16="http://schemas.microsoft.com/office/drawing/2014/main" id="{D951A4C4-F497-43CC-9A6A-51C58D281DF1}"/>
-              </a:ext>
-            </a:extLst>
-          </p:cNvPr>
-          <p:cNvSpPr>
-            <a:spLocks noChangeArrowheads="1"/>
-          </p:cNvSpPr>
-          <p:nvPr/>
-        </p:nvSpPr>
-        <p:spPr bwMode="auto">
-          <a:xfrm>
-            <a:off x="1196340" y="2187193"/>
-            <a:ext cx="5433060" cy="1015663"/>
-          </a:xfrm>
-          <a:prstGeom prst="rect">
-            <a:avLst/>
-          </a:prstGeom>
-          <a:solidFill>
-            <a:srgbClr val="FFFFFF"/>
-          </a:solidFill>
-          <a:ln>
-            <a:noFill/>
-          </a:ln>
-          <a:effectLst/>
-          <a:extLst>
-            <a:ext uri="{91240B29-F687-4F45-9708-019B960494DF}">
-              <a14:hiddenLine xmlns:a14="http://schemas.microsoft.com/office/drawing/2010/main" w="9525">
-                <a:solidFill>
-                  <a:schemeClr val="tx1"/>
-                </a:solidFill>
-                <a:miter lim="800000"/>
-                <a:headEnd/>
-                <a:tailEnd/>
-              </a14:hiddenLine>
-            </a:ext>
-            <a:ext uri="{AF507438-7753-43E0-B8FC-AC1667EBCBE1}">
-              <a14:hiddenEffects xmlns:a14="http://schemas.microsoft.com/office/drawing/2010/main">
-                <a:effectLst>
-                  <a:outerShdw dist="35921" dir="2700000" algn="ctr" rotWithShape="0">
-                    <a:schemeClr val="bg2"/>
-                  </a:outerShdw>
-                </a:effectLst>
-              </a14:hiddenEffects>
-            </a:ext>
-          </a:extLst>
-        </p:spPr>
-        <p:txBody>
-          <a:bodyPr vert="horz" wrap="square" lIns="91440" tIns="45720" rIns="91440" bIns="45720" numCol="1" anchor="ctr" anchorCtr="0" compatLnSpc="1">
-            <a:prstTxWarp prst="textNoShape">
-              <a:avLst/>
-            </a:prstTxWarp>
-            <a:spAutoFit/>
-          </a:bodyPr>
-          <a:lstStyle/>
-          <a:p>
-            <a:pPr marL="0" marR="0" lvl="0" indent="0" algn="l" defTabSz="914400" rtl="0" eaLnBrk="0" fontAlgn="base" latinLnBrk="0" hangingPunct="0">
-              <a:lnSpc>
-                <a:spcPct val="100000"/>
-              </a:lnSpc>
-              <a:spcBef>
-                <a:spcPct val="0"/>
-              </a:spcBef>
-              <a:spcAft>
-                <a:spcPct val="0"/>
-              </a:spcAft>
-              <a:buClrTx/>
-              <a:buSzTx/>
-              <a:buFontTx/>
-              <a:buNone/>
-              <a:tabLst/>
-            </a:pPr>
-            <a:r>
-              <a:rPr kumimoji="0" lang="fr-FR" altLang="fr-FR" sz="1000" b="0" i="0" u="none" strike="noStrike" cap="none" normalizeH="0" baseline="0" dirty="0">
-                <a:ln>
-                  <a:noFill/>
-                </a:ln>
-                <a:solidFill>
-                  <a:srgbClr val="808000"/>
-                </a:solidFill>
-                <a:effectLst/>
-                <a:latin typeface="Consolas" panose="020B0609020204030204" pitchFamily="49" charset="0"/>
-              </a:rPr>
-              <a:t>@Test</a:t>
-            </a:r>
-            <a:br>
-              <a:rPr kumimoji="0" lang="fr-FR" altLang="fr-FR" sz="1000" b="0" i="0" u="none" strike="noStrike" cap="none" normalizeH="0" baseline="0" dirty="0">
-                <a:ln>
-                  <a:noFill/>
-                </a:ln>
-                <a:solidFill>
-                  <a:srgbClr val="808000"/>
-                </a:solidFill>
-                <a:effectLst/>
-                <a:latin typeface="Consolas" panose="020B0609020204030204" pitchFamily="49" charset="0"/>
-              </a:rPr>
-            </a:br>
-            <a:r>
-              <a:rPr kumimoji="0" lang="fr-FR" altLang="fr-FR" sz="1000" b="1" i="0" u="none" strike="noStrike" cap="none" normalizeH="0" baseline="0" dirty="0" err="1">
-                <a:ln>
-                  <a:noFill/>
-                </a:ln>
-                <a:solidFill>
-                  <a:srgbClr val="000080"/>
-                </a:solidFill>
-                <a:effectLst/>
-                <a:latin typeface="Consolas" panose="020B0609020204030204" pitchFamily="49" charset="0"/>
-              </a:rPr>
-              <a:t>void</a:t>
-            </a:r>
-            <a:r>
-              <a:rPr kumimoji="0" lang="fr-FR" altLang="fr-FR" sz="1000" b="1" i="0" u="none" strike="noStrike" cap="none" normalizeH="0" baseline="0" dirty="0">
-                <a:ln>
-                  <a:noFill/>
-                </a:ln>
-                <a:solidFill>
-                  <a:srgbClr val="000080"/>
-                </a:solidFill>
-                <a:effectLst/>
-                <a:latin typeface="Consolas" panose="020B0609020204030204" pitchFamily="49" charset="0"/>
-              </a:rPr>
-              <a:t> </a:t>
-            </a:r>
-            <a:r>
-              <a:rPr kumimoji="0" lang="fr-FR" altLang="fr-FR" sz="1000" b="0" i="0" u="none" strike="noStrike" cap="none" normalizeH="0" baseline="0" dirty="0" err="1">
-                <a:ln>
-                  <a:noFill/>
-                </a:ln>
-                <a:solidFill>
-                  <a:srgbClr val="000000"/>
-                </a:solidFill>
-                <a:effectLst/>
-                <a:latin typeface="Consolas" panose="020B0609020204030204" pitchFamily="49" charset="0"/>
-              </a:rPr>
-              <a:t>find_should_return_reponse_of_repository</a:t>
-            </a:r>
-            <a:r>
-              <a:rPr kumimoji="0" lang="fr-FR" altLang="fr-FR" sz="1000" b="0" i="0" u="none" strike="noStrike" cap="none" normalizeH="0" baseline="0" dirty="0">
-                <a:ln>
-                  <a:noFill/>
-                </a:ln>
-                <a:solidFill>
-                  <a:srgbClr val="000000"/>
-                </a:solidFill>
-                <a:effectLst/>
-                <a:latin typeface="Consolas" panose="020B0609020204030204" pitchFamily="49" charset="0"/>
-              </a:rPr>
-              <a:t>() {</a:t>
-            </a:r>
-            <a:br>
-              <a:rPr kumimoji="0" lang="fr-FR" altLang="fr-FR" sz="1000" b="0" i="0" u="none" strike="noStrike" cap="none" normalizeH="0" baseline="0" dirty="0">
-                <a:ln>
-                  <a:noFill/>
-                </a:ln>
-                <a:solidFill>
-                  <a:srgbClr val="000000"/>
-                </a:solidFill>
-                <a:effectLst/>
-                <a:latin typeface="Consolas" panose="020B0609020204030204" pitchFamily="49" charset="0"/>
-              </a:rPr>
-            </a:br>
-            <a:r>
-              <a:rPr kumimoji="0" lang="fr-FR" altLang="fr-FR" sz="1000" b="0" i="0" u="none" strike="noStrike" cap="none" normalizeH="0" baseline="0" dirty="0">
-                <a:ln>
-                  <a:noFill/>
-                </a:ln>
-                <a:solidFill>
-                  <a:srgbClr val="000000"/>
-                </a:solidFill>
-                <a:effectLst/>
-                <a:latin typeface="Consolas" panose="020B0609020204030204" pitchFamily="49" charset="0"/>
-              </a:rPr>
-              <a:t>    </a:t>
-            </a:r>
-            <a:r>
-              <a:rPr kumimoji="0" lang="fr-FR" altLang="fr-FR" sz="1000" b="0" i="1" u="none" strike="noStrike" cap="none" normalizeH="0" baseline="0" dirty="0" err="1">
-                <a:ln>
-                  <a:noFill/>
-                </a:ln>
-                <a:solidFill>
-                  <a:srgbClr val="000000"/>
-                </a:solidFill>
-                <a:effectLst/>
-                <a:latin typeface="Consolas" panose="020B0609020204030204" pitchFamily="49" charset="0"/>
-              </a:rPr>
-              <a:t>when</a:t>
-            </a:r>
-            <a:r>
-              <a:rPr kumimoji="0" lang="fr-FR" altLang="fr-FR" sz="1000" b="0" i="0" u="none" strike="noStrike" cap="none" normalizeH="0" baseline="0" dirty="0">
-                <a:ln>
-                  <a:noFill/>
-                </a:ln>
-                <a:solidFill>
-                  <a:srgbClr val="000000"/>
-                </a:solidFill>
-                <a:effectLst/>
-                <a:latin typeface="Consolas" panose="020B0609020204030204" pitchFamily="49" charset="0"/>
-              </a:rPr>
-              <a:t>(</a:t>
-            </a:r>
-            <a:r>
-              <a:rPr kumimoji="0" lang="fr-FR" altLang="fr-FR" sz="1000" b="1" i="0" u="none" strike="noStrike" cap="none" normalizeH="0" baseline="0" dirty="0" err="1">
-                <a:ln>
-                  <a:noFill/>
-                </a:ln>
-                <a:solidFill>
-                  <a:srgbClr val="660E7A"/>
-                </a:solidFill>
-                <a:effectLst/>
-                <a:latin typeface="Consolas" panose="020B0609020204030204" pitchFamily="49" charset="0"/>
-              </a:rPr>
-              <a:t>helloRepository</a:t>
-            </a:r>
-            <a:r>
-              <a:rPr kumimoji="0" lang="fr-FR" altLang="fr-FR" sz="1000" b="0" i="0" u="none" strike="noStrike" cap="none" normalizeH="0" baseline="0" dirty="0" err="1">
-                <a:ln>
-                  <a:noFill/>
-                </a:ln>
-                <a:solidFill>
-                  <a:srgbClr val="000000"/>
-                </a:solidFill>
-                <a:effectLst/>
-                <a:latin typeface="Consolas" panose="020B0609020204030204" pitchFamily="49" charset="0"/>
-              </a:rPr>
-              <a:t>.find</a:t>
-            </a:r>
-            <a:r>
-              <a:rPr kumimoji="0" lang="fr-FR" altLang="fr-FR" sz="1000" b="0" i="0" u="none" strike="noStrike" cap="none" normalizeH="0" baseline="0" dirty="0">
-                <a:ln>
-                  <a:noFill/>
-                </a:ln>
-                <a:solidFill>
-                  <a:srgbClr val="000000"/>
-                </a:solidFill>
-                <a:effectLst/>
-                <a:latin typeface="Consolas" panose="020B0609020204030204" pitchFamily="49" charset="0"/>
-              </a:rPr>
-              <a:t>()).</a:t>
-            </a:r>
-            <a:r>
-              <a:rPr kumimoji="0" lang="fr-FR" altLang="fr-FR" sz="1000" b="0" i="0" u="none" strike="noStrike" cap="none" normalizeH="0" baseline="0" dirty="0" err="1">
-                <a:ln>
-                  <a:noFill/>
-                </a:ln>
-                <a:solidFill>
-                  <a:srgbClr val="000000"/>
-                </a:solidFill>
-                <a:effectLst/>
-                <a:latin typeface="Consolas" panose="020B0609020204030204" pitchFamily="49" charset="0"/>
-              </a:rPr>
-              <a:t>thenReturn</a:t>
-            </a:r>
-            <a:r>
-              <a:rPr kumimoji="0" lang="fr-FR" altLang="fr-FR" sz="1000" b="0" i="0" u="none" strike="noStrike" cap="none" normalizeH="0" baseline="0" dirty="0">
-                <a:ln>
-                  <a:noFill/>
-                </a:ln>
-                <a:solidFill>
-                  <a:srgbClr val="000000"/>
-                </a:solidFill>
-                <a:effectLst/>
-                <a:latin typeface="Consolas" panose="020B0609020204030204" pitchFamily="49" charset="0"/>
-              </a:rPr>
-              <a:t>(</a:t>
-            </a:r>
-            <a:r>
-              <a:rPr kumimoji="0" lang="fr-FR" altLang="fr-FR" sz="1000" b="1" i="0" u="none" strike="noStrike" cap="none" normalizeH="0" baseline="0" dirty="0">
-                <a:ln>
-                  <a:noFill/>
-                </a:ln>
-                <a:solidFill>
-                  <a:srgbClr val="008000"/>
-                </a:solidFill>
-                <a:effectLst/>
-                <a:latin typeface="Consolas" panose="020B0609020204030204" pitchFamily="49" charset="0"/>
-              </a:rPr>
-              <a:t>"Hello Seb"</a:t>
-            </a:r>
-            <a:r>
-              <a:rPr kumimoji="0" lang="fr-FR" altLang="fr-FR" sz="1000" b="0" i="0" u="none" strike="noStrike" cap="none" normalizeH="0" baseline="0" dirty="0">
-                <a:ln>
-                  <a:noFill/>
-                </a:ln>
-                <a:solidFill>
-                  <a:srgbClr val="000000"/>
-                </a:solidFill>
-                <a:effectLst/>
-                <a:latin typeface="Consolas" panose="020B0609020204030204" pitchFamily="49" charset="0"/>
-              </a:rPr>
-              <a:t>);</a:t>
-            </a:r>
-            <a:br>
-              <a:rPr kumimoji="0" lang="fr-FR" altLang="fr-FR" sz="1000" b="0" i="0" u="none" strike="noStrike" cap="none" normalizeH="0" baseline="0" dirty="0">
-                <a:ln>
-                  <a:noFill/>
-                </a:ln>
-                <a:solidFill>
-                  <a:srgbClr val="000000"/>
-                </a:solidFill>
-                <a:effectLst/>
-                <a:latin typeface="Consolas" panose="020B0609020204030204" pitchFamily="49" charset="0"/>
-              </a:rPr>
-            </a:br>
-            <a:br>
-              <a:rPr kumimoji="0" lang="fr-FR" altLang="fr-FR" sz="1000" b="0" i="0" u="none" strike="noStrike" cap="none" normalizeH="0" baseline="0" dirty="0">
-                <a:ln>
-                  <a:noFill/>
-                </a:ln>
-                <a:solidFill>
-                  <a:srgbClr val="000000"/>
-                </a:solidFill>
-                <a:effectLst/>
-                <a:latin typeface="Consolas" panose="020B0609020204030204" pitchFamily="49" charset="0"/>
-              </a:rPr>
-            </a:br>
-            <a:r>
-              <a:rPr kumimoji="0" lang="fr-FR" altLang="fr-FR" sz="1000" b="0" i="0" u="none" strike="noStrike" cap="none" normalizeH="0" baseline="0" dirty="0">
-                <a:ln>
-                  <a:noFill/>
-                </a:ln>
-                <a:solidFill>
-                  <a:srgbClr val="000000"/>
-                </a:solidFill>
-                <a:effectLst/>
-                <a:latin typeface="Consolas" panose="020B0609020204030204" pitchFamily="49" charset="0"/>
-              </a:rPr>
-              <a:t>    </a:t>
-            </a:r>
-            <a:r>
-              <a:rPr kumimoji="0" lang="fr-FR" altLang="fr-FR" sz="1000" b="0" i="1" u="none" strike="noStrike" cap="none" normalizeH="0" baseline="0" dirty="0" err="1">
-                <a:ln>
-                  <a:noFill/>
-                </a:ln>
-                <a:solidFill>
-                  <a:srgbClr val="000000"/>
-                </a:solidFill>
-                <a:effectLst/>
-                <a:latin typeface="Consolas" panose="020B0609020204030204" pitchFamily="49" charset="0"/>
-              </a:rPr>
-              <a:t>assertThat</a:t>
-            </a:r>
-            <a:r>
-              <a:rPr kumimoji="0" lang="fr-FR" altLang="fr-FR" sz="1000" b="0" i="0" u="none" strike="noStrike" cap="none" normalizeH="0" baseline="0" dirty="0">
-                <a:ln>
-                  <a:noFill/>
-                </a:ln>
-                <a:solidFill>
-                  <a:srgbClr val="000000"/>
-                </a:solidFill>
-                <a:effectLst/>
-                <a:latin typeface="Consolas" panose="020B0609020204030204" pitchFamily="49" charset="0"/>
-              </a:rPr>
-              <a:t>(</a:t>
-            </a:r>
-            <a:r>
-              <a:rPr kumimoji="0" lang="fr-FR" altLang="fr-FR" sz="1000" b="1" i="0" u="none" strike="noStrike" cap="none" normalizeH="0" baseline="0" dirty="0" err="1">
-                <a:ln>
-                  <a:noFill/>
-                </a:ln>
-                <a:solidFill>
-                  <a:srgbClr val="660E7A"/>
-                </a:solidFill>
-                <a:effectLst/>
-                <a:latin typeface="Consolas" panose="020B0609020204030204" pitchFamily="49" charset="0"/>
-              </a:rPr>
-              <a:t>helloService</a:t>
-            </a:r>
-            <a:r>
-              <a:rPr kumimoji="0" lang="fr-FR" altLang="fr-FR" sz="1000" b="0" i="0" u="none" strike="noStrike" cap="none" normalizeH="0" baseline="0" dirty="0" err="1">
-                <a:ln>
-                  <a:noFill/>
-                </a:ln>
-                <a:solidFill>
-                  <a:srgbClr val="000000"/>
-                </a:solidFill>
-                <a:effectLst/>
-                <a:latin typeface="Consolas" panose="020B0609020204030204" pitchFamily="49" charset="0"/>
-              </a:rPr>
-              <a:t>.find</a:t>
-            </a:r>
-            <a:r>
-              <a:rPr kumimoji="0" lang="fr-FR" altLang="fr-FR" sz="1000" b="0" i="0" u="none" strike="noStrike" cap="none" normalizeH="0" baseline="0" dirty="0">
-                <a:ln>
-                  <a:noFill/>
-                </a:ln>
-                <a:solidFill>
-                  <a:srgbClr val="000000"/>
-                </a:solidFill>
-                <a:effectLst/>
-                <a:latin typeface="Consolas" panose="020B0609020204030204" pitchFamily="49" charset="0"/>
-              </a:rPr>
-              <a:t>()).</a:t>
-            </a:r>
-            <a:r>
-              <a:rPr kumimoji="0" lang="fr-FR" altLang="fr-FR" sz="1000" b="0" i="0" u="none" strike="noStrike" cap="none" normalizeH="0" baseline="0" dirty="0" err="1">
-                <a:ln>
-                  <a:noFill/>
-                </a:ln>
-                <a:solidFill>
-                  <a:srgbClr val="000000"/>
-                </a:solidFill>
-                <a:effectLst/>
-                <a:latin typeface="Consolas" panose="020B0609020204030204" pitchFamily="49" charset="0"/>
-              </a:rPr>
-              <a:t>isEqualTo</a:t>
-            </a:r>
-            <a:r>
-              <a:rPr kumimoji="0" lang="fr-FR" altLang="fr-FR" sz="1000" b="0" i="0" u="none" strike="noStrike" cap="none" normalizeH="0" baseline="0" dirty="0">
-                <a:ln>
-                  <a:noFill/>
-                </a:ln>
-                <a:solidFill>
-                  <a:srgbClr val="000000"/>
-                </a:solidFill>
-                <a:effectLst/>
-                <a:latin typeface="Consolas" panose="020B0609020204030204" pitchFamily="49" charset="0"/>
-              </a:rPr>
-              <a:t>(</a:t>
-            </a:r>
-            <a:r>
-              <a:rPr kumimoji="0" lang="fr-FR" altLang="fr-FR" sz="1000" b="1" i="0" u="none" strike="noStrike" cap="none" normalizeH="0" baseline="0" dirty="0">
-                <a:ln>
-                  <a:noFill/>
-                </a:ln>
-                <a:solidFill>
-                  <a:srgbClr val="008000"/>
-                </a:solidFill>
-                <a:effectLst/>
-                <a:latin typeface="Consolas" panose="020B0609020204030204" pitchFamily="49" charset="0"/>
-              </a:rPr>
-              <a:t>"Hello Seb"</a:t>
-            </a:r>
-            <a:r>
-              <a:rPr kumimoji="0" lang="fr-FR" altLang="fr-FR" sz="1000" b="0" i="0" u="none" strike="noStrike" cap="none" normalizeH="0" baseline="0" dirty="0">
-                <a:ln>
-                  <a:noFill/>
-                </a:ln>
-                <a:solidFill>
-                  <a:srgbClr val="000000"/>
-                </a:solidFill>
-                <a:effectLst/>
-                <a:latin typeface="Consolas" panose="020B0609020204030204" pitchFamily="49" charset="0"/>
-              </a:rPr>
-              <a:t>);</a:t>
-            </a:r>
-            <a:br>
-              <a:rPr kumimoji="0" lang="fr-FR" altLang="fr-FR" sz="1000" b="0" i="0" u="none" strike="noStrike" cap="none" normalizeH="0" baseline="0" dirty="0">
-                <a:ln>
-                  <a:noFill/>
-                </a:ln>
-                <a:solidFill>
-                  <a:srgbClr val="000000"/>
-                </a:solidFill>
-                <a:effectLst/>
-                <a:latin typeface="Consolas" panose="020B0609020204030204" pitchFamily="49" charset="0"/>
-              </a:rPr>
-            </a:br>
-            <a:r>
-              <a:rPr kumimoji="0" lang="fr-FR" altLang="fr-FR" sz="1000" b="0" i="0" u="none" strike="noStrike" cap="none" normalizeH="0" baseline="0" dirty="0">
-                <a:ln>
-                  <a:noFill/>
-                </a:ln>
-                <a:solidFill>
-                  <a:srgbClr val="000000"/>
-                </a:solidFill>
-                <a:effectLst/>
-                <a:latin typeface="Consolas" panose="020B0609020204030204" pitchFamily="49" charset="0"/>
-              </a:rPr>
-              <a:t>}</a:t>
-            </a:r>
-            <a:endParaRPr kumimoji="0" lang="fr-FR" altLang="fr-FR" sz="1800" b="0" i="0" u="none" strike="noStrike" cap="none" normalizeH="0" baseline="0" dirty="0">
-              <a:ln>
-                <a:noFill/>
-              </a:ln>
-              <a:solidFill>
-                <a:schemeClr val="tx1"/>
-              </a:solidFill>
-              <a:effectLst/>
-              <a:latin typeface="Arial" panose="020B0604020202020204" pitchFamily="34" charset="0"/>
-            </a:endParaRPr>
-          </a:p>
-        </p:txBody>
-      </p:sp>
-    </p:spTree>
-    <p:extLst>
-      <p:ext uri="{BB962C8B-B14F-4D97-AF65-F5344CB8AC3E}">
-        <p14:creationId xmlns:p14="http://schemas.microsoft.com/office/powerpoint/2010/main" val="249243321"/>
-      </p:ext>
-    </p:extLst>
-  </p:cSld>
-  <p:clrMapOvr>
-    <a:masterClrMapping/>
-  </p:clrMapOvr>
-  <mc:AlternateContent xmlns:mc="http://schemas.openxmlformats.org/markup-compatibility/2006" xmlns:p14="http://schemas.microsoft.com/office/powerpoint/2010/main">
-    <mc:Choice Requires="p14">
-      <p:transition p14:dur="10"/>
-    </mc:Choice>
-    <mc:Fallback xmlns="">
-      <p:transition/>
-    </mc:Fallback>
-  </mc:AlternateContent>
-  <p:timing>
-    <p:tnLst>
-      <p:par>
-        <p:cTn id="1" dur="indefinite" restart="never" nodeType="tmRoot">
-          <p:childTnLst>
-            <p:seq concurrent="1" nextAc="seek">
-              <p:cTn id="2" dur="indefinite" nodeType="mainSeq">
-                <p:childTnLst>
-                  <p:par>
-                    <p:cTn id="3" fill="hold">
-                      <p:stCondLst>
-                        <p:cond delay="indefinite"/>
-                      </p:stCondLst>
-                      <p:childTnLst>
-                        <p:par>
-                          <p:cTn id="4" fill="hold">
-                            <p:stCondLst>
-                              <p:cond delay="0"/>
-                            </p:stCondLst>
-                            <p:childTnLst>
-                              <p:par>
-                                <p:cTn id="5" presetID="1" presetClass="entr" presetSubtype="0" fill="hold" nodeType="clickEffect">
-                                  <p:stCondLst>
-                                    <p:cond delay="0"/>
-                                  </p:stCondLst>
-                                  <p:childTnLst>
-                                    <p:set>
-                                      <p:cBhvr>
-                                        <p:cTn id="6" dur="1" fill="hold">
-                                          <p:stCondLst>
-                                            <p:cond delay="0"/>
-                                          </p:stCondLst>
-                                        </p:cTn>
-                                        <p:tgtEl>
-                                          <p:spTgt spid="5">
-                                            <p:txEl>
-                                              <p:pRg st="0" end="0"/>
-                                            </p:txEl>
-                                          </p:spTgt>
-                                        </p:tgtEl>
-                                        <p:attrNameLst>
-                                          <p:attrName>style.visibility</p:attrName>
-                                        </p:attrNameLst>
-                                      </p:cBhvr>
-                                      <p:to>
-                                        <p:strVal val="visible"/>
-                                      </p:to>
-                                    </p:set>
-                                  </p:childTnLst>
-                                </p:cTn>
-                              </p:par>
-                              <p:par>
-                                <p:cTn id="7" presetID="1" presetClass="entr" presetSubtype="0" fill="hold" grpId="0" nodeType="withEffect">
-                                  <p:stCondLst>
-                                    <p:cond delay="0"/>
-                                  </p:stCondLst>
-                                  <p:childTnLst>
-                                    <p:set>
-                                      <p:cBhvr>
-                                        <p:cTn id="8" dur="1" fill="hold">
-                                          <p:stCondLst>
-                                            <p:cond delay="0"/>
-                                          </p:stCondLst>
-                                        </p:cTn>
-                                        <p:tgtEl>
-                                          <p:spTgt spid="2"/>
-                                        </p:tgtEl>
-                                        <p:attrNameLst>
-                                          <p:attrName>style.visibility</p:attrName>
-                                        </p:attrNameLst>
-                                      </p:cBhvr>
-                                      <p:to>
-                                        <p:strVal val="visible"/>
-                                      </p:to>
-                                    </p:set>
-                                  </p:childTnLst>
-                                </p:cTn>
-                              </p:par>
-                            </p:childTnLst>
-                          </p:cTn>
-                        </p:par>
-                      </p:childTnLst>
-                    </p:cTn>
-                  </p:par>
-                  <p:par>
-                    <p:cTn id="9" fill="hold">
-                      <p:stCondLst>
-                        <p:cond delay="indefinite"/>
-                      </p:stCondLst>
-                      <p:childTnLst>
-                        <p:par>
-                          <p:cTn id="10" fill="hold">
-                            <p:stCondLst>
-                              <p:cond delay="0"/>
-                            </p:stCondLst>
-                            <p:childTnLst>
-                              <p:par>
-                                <p:cTn id="11" presetID="1" presetClass="entr" presetSubtype="0" fill="hold" nodeType="clickEffect">
-                                  <p:stCondLst>
-                                    <p:cond delay="0"/>
-                                  </p:stCondLst>
-                                  <p:childTnLst>
-                                    <p:set>
-                                      <p:cBhvr>
-                                        <p:cTn id="12" dur="1" fill="hold">
-                                          <p:stCondLst>
-                                            <p:cond delay="0"/>
-                                          </p:stCondLst>
-                                        </p:cTn>
-                                        <p:tgtEl>
-                                          <p:spTgt spid="5">
-                                            <p:txEl>
-                                              <p:pRg st="5" end="5"/>
-                                            </p:txEl>
-                                          </p:spTgt>
-                                        </p:tgtEl>
-                                        <p:attrNameLst>
-                                          <p:attrName>style.visibility</p:attrName>
-                                        </p:attrNameLst>
-                                      </p:cBhvr>
-                                      <p:to>
-                                        <p:strVal val="visible"/>
-                                      </p:to>
-                                    </p:set>
-                                  </p:childTnLst>
-                                </p:cTn>
-                              </p:par>
-                            </p:childTnLst>
-                          </p:cTn>
-                        </p:par>
-                      </p:childTnLst>
-                    </p:cTn>
-                  </p:par>
-                  <p:par>
-                    <p:cTn id="13" fill="hold">
-                      <p:stCondLst>
-                        <p:cond delay="indefinite"/>
-                      </p:stCondLst>
-                      <p:childTnLst>
-                        <p:par>
-                          <p:cTn id="14" fill="hold">
-                            <p:stCondLst>
-                              <p:cond delay="0"/>
-                            </p:stCondLst>
-                            <p:childTnLst>
-                              <p:par>
-                                <p:cTn id="15" presetID="1" presetClass="entr" presetSubtype="0" fill="hold" nodeType="clickEffect">
-                                  <p:stCondLst>
-                                    <p:cond delay="0"/>
-                                  </p:stCondLst>
-                                  <p:childTnLst>
-                                    <p:set>
-                                      <p:cBhvr>
-                                        <p:cTn id="16" dur="1" fill="hold">
-                                          <p:stCondLst>
-                                            <p:cond delay="0"/>
-                                          </p:stCondLst>
-                                        </p:cTn>
-                                        <p:tgtEl>
-                                          <p:spTgt spid="5">
-                                            <p:txEl>
-                                              <p:pRg st="8" end="8"/>
-                                            </p:txEl>
-                                          </p:spTgt>
-                                        </p:tgtEl>
-                                        <p:attrNameLst>
-                                          <p:attrName>style.visibility</p:attrName>
-                                        </p:attrNameLst>
-                                      </p:cBhvr>
-                                      <p:to>
-                                        <p:strVal val="visible"/>
-                                      </p:to>
-                                    </p:set>
-                                  </p:childTnLst>
-                                </p:cTn>
-                              </p:par>
-                            </p:childTnLst>
-                          </p:cTn>
-                        </p:par>
-                      </p:childTnLst>
-                    </p:cTn>
-                  </p:par>
-                </p:childTnLst>
-              </p:cTn>
-              <p:prevCondLst>
-                <p:cond evt="onPrev" delay="0">
-                  <p:tgtEl>
-                    <p:sldTgt/>
-                  </p:tgtEl>
-                </p:cond>
-              </p:prevCondLst>
-              <p:nextCondLst>
-                <p:cond evt="onNext" delay="0">
-                  <p:tgtEl>
-                    <p:sldTgt/>
-                  </p:tgtEl>
-                </p:cond>
-              </p:nextCondLst>
-            </p:seq>
-          </p:childTnLst>
-        </p:cTn>
-      </p:par>
-    </p:tnLst>
-    <p:bldLst>
-      <p:bldP spid="2" grpId="0" animBg="1"/>
     </p:bldLst>
   </p:timing>
 </p:sld>
